--- a/papers/NLP based learning/LDA_Topic_model_Lang_learn_Paper/Figs/lda.pptx
+++ b/papers/NLP based learning/LDA_Topic_model_Lang_learn_Paper/Figs/lda.pptx
@@ -36,7 +36,7 @@
             <a:spLocks noGrp="1"/>
           </p:cNvSpPr>
           <p:nvPr>
-            <p:ph type="ftr" idx="2"/>
+            <p:ph type="ftr" idx="1"/>
           </p:nvPr>
         </p:nvSpPr>
         <p:spPr/>
@@ -56,14 +56,14 @@
             <a:spLocks noGrp="1"/>
           </p:cNvSpPr>
           <p:nvPr>
-            <p:ph type="sldNum" idx="3"/>
+            <p:ph type="sldNum" idx="2"/>
           </p:nvPr>
         </p:nvSpPr>
         <p:spPr/>
         <p:txBody>
           <a:bodyPr/>
           <a:p>
-            <a:fld id="{8379103F-5406-40EE-ABEB-CC45FAF7FA22}" type="slidenum">
+            <a:fld id="{4A468E21-D2A7-48D6-B195-E8A2AC918173}" type="slidenum">
               <a:t>&lt;#&gt;</a:t>
             </a:fld>
           </a:p>
@@ -76,7 +76,7 @@
             <a:spLocks noGrp="1"/>
           </p:cNvSpPr>
           <p:nvPr>
-            <p:ph type="dt" idx="1"/>
+            <p:ph type="dt" idx="3"/>
           </p:nvPr>
         </p:nvSpPr>
         <p:spPr/>
@@ -125,7 +125,7 @@
         <p:spPr>
           <a:xfrm>
             <a:off x="504000" y="226080"/>
-            <a:ext cx="9071640" cy="946440"/>
+            <a:ext cx="9070920" cy="945720"/>
           </a:xfrm>
           <a:prstGeom prst="rect">
             <a:avLst/>
@@ -245,7 +245,7 @@
             <a:spLocks noGrp="1"/>
           </p:cNvSpPr>
           <p:nvPr>
-            <p:ph type="ftr" idx="2"/>
+            <p:ph type="ftr" idx="1"/>
           </p:nvPr>
         </p:nvSpPr>
         <p:spPr/>
@@ -265,14 +265,14 @@
             <a:spLocks noGrp="1"/>
           </p:cNvSpPr>
           <p:nvPr>
-            <p:ph type="sldNum" idx="3"/>
+            <p:ph type="sldNum" idx="2"/>
           </p:nvPr>
         </p:nvSpPr>
         <p:spPr/>
         <p:txBody>
           <a:bodyPr/>
           <a:p>
-            <a:fld id="{7AEE32D1-2B4C-494E-9254-50B27CBF152E}" type="slidenum">
+            <a:fld id="{CB7C2029-74EA-4ACC-8A73-84B1C15E593B}" type="slidenum">
               <a:t>&lt;#&gt;</a:t>
             </a:fld>
           </a:p>
@@ -285,7 +285,7 @@
             <a:spLocks noGrp="1"/>
           </p:cNvSpPr>
           <p:nvPr>
-            <p:ph type="dt" idx="1"/>
+            <p:ph type="dt" idx="3"/>
           </p:nvPr>
         </p:nvSpPr>
         <p:spPr/>
@@ -334,7 +334,7 @@
         <p:spPr>
           <a:xfrm>
             <a:off x="504000" y="226080"/>
-            <a:ext cx="9071640" cy="946440"/>
+            <a:ext cx="9070920" cy="945720"/>
           </a:xfrm>
           <a:prstGeom prst="rect">
             <a:avLst/>
@@ -540,7 +540,7 @@
             <a:spLocks noGrp="1"/>
           </p:cNvSpPr>
           <p:nvPr>
-            <p:ph type="ftr" idx="2"/>
+            <p:ph type="ftr" idx="1"/>
           </p:nvPr>
         </p:nvSpPr>
         <p:spPr/>
@@ -560,14 +560,14 @@
             <a:spLocks noGrp="1"/>
           </p:cNvSpPr>
           <p:nvPr>
-            <p:ph type="sldNum" idx="3"/>
+            <p:ph type="sldNum" idx="2"/>
           </p:nvPr>
         </p:nvSpPr>
         <p:spPr/>
         <p:txBody>
           <a:bodyPr/>
           <a:p>
-            <a:fld id="{ED5CAC18-B2ED-4C28-B2C7-D3B7BA24C8B1}" type="slidenum">
+            <a:fld id="{932971DD-10AA-4CAE-8319-8E7563FF4648}" type="slidenum">
               <a:t>&lt;#&gt;</a:t>
             </a:fld>
           </a:p>
@@ -580,7 +580,7 @@
             <a:spLocks noGrp="1"/>
           </p:cNvSpPr>
           <p:nvPr>
-            <p:ph type="dt" idx="1"/>
+            <p:ph type="dt" idx="3"/>
           </p:nvPr>
         </p:nvSpPr>
         <p:spPr/>
@@ -629,7 +629,7 @@
         <p:spPr>
           <a:xfrm>
             <a:off x="504000" y="226080"/>
-            <a:ext cx="9071640" cy="946440"/>
+            <a:ext cx="9070920" cy="945720"/>
           </a:xfrm>
           <a:prstGeom prst="rect">
             <a:avLst/>
@@ -921,7 +921,7 @@
             <a:spLocks noGrp="1"/>
           </p:cNvSpPr>
           <p:nvPr>
-            <p:ph type="ftr" idx="2"/>
+            <p:ph type="ftr" idx="1"/>
           </p:nvPr>
         </p:nvSpPr>
         <p:spPr/>
@@ -941,14 +941,14 @@
             <a:spLocks noGrp="1"/>
           </p:cNvSpPr>
           <p:nvPr>
-            <p:ph type="sldNum" idx="3"/>
+            <p:ph type="sldNum" idx="2"/>
           </p:nvPr>
         </p:nvSpPr>
         <p:spPr/>
         <p:txBody>
           <a:bodyPr/>
           <a:p>
-            <a:fld id="{59E8BF2C-01FB-4B75-80FB-EADCD54FB008}" type="slidenum">
+            <a:fld id="{D9295A77-9ECE-4389-87AE-F6F335B16614}" type="slidenum">
               <a:t>&lt;#&gt;</a:t>
             </a:fld>
           </a:p>
@@ -961,7 +961,7 @@
             <a:spLocks noGrp="1"/>
           </p:cNvSpPr>
           <p:nvPr>
-            <p:ph type="dt" idx="1"/>
+            <p:ph type="dt" idx="3"/>
           </p:nvPr>
         </p:nvSpPr>
         <p:spPr/>
@@ -1010,7 +1010,7 @@
         <p:spPr>
           <a:xfrm>
             <a:off x="504000" y="226080"/>
-            <a:ext cx="9071640" cy="946440"/>
+            <a:ext cx="9070920" cy="945720"/>
           </a:xfrm>
           <a:prstGeom prst="rect">
             <a:avLst/>
@@ -1084,7 +1084,7 @@
             <a:spLocks noGrp="1"/>
           </p:cNvSpPr>
           <p:nvPr>
-            <p:ph type="ftr" idx="2"/>
+            <p:ph type="ftr" idx="1"/>
           </p:nvPr>
         </p:nvSpPr>
         <p:spPr/>
@@ -1104,14 +1104,14 @@
             <a:spLocks noGrp="1"/>
           </p:cNvSpPr>
           <p:nvPr>
-            <p:ph type="sldNum" idx="3"/>
+            <p:ph type="sldNum" idx="2"/>
           </p:nvPr>
         </p:nvSpPr>
         <p:spPr/>
         <p:txBody>
           <a:bodyPr/>
           <a:p>
-            <a:fld id="{597C3700-26B0-4321-89A7-9BFDC2B0571F}" type="slidenum">
+            <a:fld id="{DC421C09-57FA-4977-9307-561183B31132}" type="slidenum">
               <a:t>&lt;#&gt;</a:t>
             </a:fld>
           </a:p>
@@ -1124,7 +1124,7 @@
             <a:spLocks noGrp="1"/>
           </p:cNvSpPr>
           <p:nvPr>
-            <p:ph type="dt" idx="1"/>
+            <p:ph type="dt" idx="3"/>
           </p:nvPr>
         </p:nvSpPr>
         <p:spPr/>
@@ -1173,7 +1173,7 @@
         <p:spPr>
           <a:xfrm>
             <a:off x="504000" y="226080"/>
-            <a:ext cx="9071640" cy="946440"/>
+            <a:ext cx="9070920" cy="945720"/>
           </a:xfrm>
           <a:prstGeom prst="rect">
             <a:avLst/>
@@ -1250,7 +1250,7 @@
             <a:spLocks noGrp="1"/>
           </p:cNvSpPr>
           <p:nvPr>
-            <p:ph type="ftr" idx="2"/>
+            <p:ph type="ftr" idx="1"/>
           </p:nvPr>
         </p:nvSpPr>
         <p:spPr/>
@@ -1270,14 +1270,14 @@
             <a:spLocks noGrp="1"/>
           </p:cNvSpPr>
           <p:nvPr>
-            <p:ph type="sldNum" idx="3"/>
+            <p:ph type="sldNum" idx="2"/>
           </p:nvPr>
         </p:nvSpPr>
         <p:spPr/>
         <p:txBody>
           <a:bodyPr/>
           <a:p>
-            <a:fld id="{358C85FD-1CEF-4941-B78E-49914EC5E472}" type="slidenum">
+            <a:fld id="{E05B7FE1-8F82-47E3-89F7-D127D6EEE258}" type="slidenum">
               <a:t>&lt;#&gt;</a:t>
             </a:fld>
           </a:p>
@@ -1290,7 +1290,7 @@
             <a:spLocks noGrp="1"/>
           </p:cNvSpPr>
           <p:nvPr>
-            <p:ph type="dt" idx="1"/>
+            <p:ph type="dt" idx="3"/>
           </p:nvPr>
         </p:nvSpPr>
         <p:spPr/>
@@ -1339,7 +1339,7 @@
         <p:spPr>
           <a:xfrm>
             <a:off x="504000" y="226080"/>
-            <a:ext cx="9071640" cy="946440"/>
+            <a:ext cx="9070920" cy="945720"/>
           </a:xfrm>
           <a:prstGeom prst="rect">
             <a:avLst/>
@@ -1459,7 +1459,7 @@
             <a:spLocks noGrp="1"/>
           </p:cNvSpPr>
           <p:nvPr>
-            <p:ph type="ftr" idx="2"/>
+            <p:ph type="ftr" idx="1"/>
           </p:nvPr>
         </p:nvSpPr>
         <p:spPr/>
@@ -1479,14 +1479,14 @@
             <a:spLocks noGrp="1"/>
           </p:cNvSpPr>
           <p:nvPr>
-            <p:ph type="sldNum" idx="3"/>
+            <p:ph type="sldNum" idx="2"/>
           </p:nvPr>
         </p:nvSpPr>
         <p:spPr/>
         <p:txBody>
           <a:bodyPr/>
           <a:p>
-            <a:fld id="{F14D47CE-0A28-4394-B9CD-C97AA0191599}" type="slidenum">
+            <a:fld id="{E09549B3-C717-4FF6-BABB-6C0BCA6FDDB2}" type="slidenum">
               <a:t>&lt;#&gt;</a:t>
             </a:fld>
           </a:p>
@@ -1499,7 +1499,7 @@
             <a:spLocks noGrp="1"/>
           </p:cNvSpPr>
           <p:nvPr>
-            <p:ph type="dt" idx="1"/>
+            <p:ph type="dt" idx="3"/>
           </p:nvPr>
         </p:nvSpPr>
         <p:spPr/>
@@ -1548,7 +1548,7 @@
         <p:spPr>
           <a:xfrm>
             <a:off x="504000" y="226080"/>
-            <a:ext cx="9071640" cy="946440"/>
+            <a:ext cx="9070920" cy="945720"/>
           </a:xfrm>
           <a:prstGeom prst="rect">
             <a:avLst/>
@@ -1582,7 +1582,7 @@
             <a:spLocks noGrp="1"/>
           </p:cNvSpPr>
           <p:nvPr>
-            <p:ph type="ftr" idx="2"/>
+            <p:ph type="ftr" idx="1"/>
           </p:nvPr>
         </p:nvSpPr>
         <p:spPr/>
@@ -1602,14 +1602,14 @@
             <a:spLocks noGrp="1"/>
           </p:cNvSpPr>
           <p:nvPr>
-            <p:ph type="sldNum" idx="3"/>
+            <p:ph type="sldNum" idx="2"/>
           </p:nvPr>
         </p:nvSpPr>
         <p:spPr/>
         <p:txBody>
           <a:bodyPr/>
           <a:p>
-            <a:fld id="{27AEE630-2E92-4C22-A819-72F7ED31277D}" type="slidenum">
+            <a:fld id="{FB5AE524-782A-45F9-ADE6-7C05C8EFB9FB}" type="slidenum">
               <a:t>&lt;#&gt;</a:t>
             </a:fld>
           </a:p>
@@ -1622,7 +1622,7 @@
             <a:spLocks noGrp="1"/>
           </p:cNvSpPr>
           <p:nvPr>
-            <p:ph type="dt" idx="1"/>
+            <p:ph type="dt" idx="3"/>
           </p:nvPr>
         </p:nvSpPr>
         <p:spPr/>
@@ -1671,7 +1671,7 @@
         <p:spPr>
           <a:xfrm>
             <a:off x="504000" y="226080"/>
-            <a:ext cx="9071640" cy="4388400"/>
+            <a:ext cx="9070920" cy="4385160"/>
           </a:xfrm>
           <a:prstGeom prst="rect">
             <a:avLst/>
@@ -1703,7 +1703,7 @@
             <a:spLocks noGrp="1"/>
           </p:cNvSpPr>
           <p:nvPr>
-            <p:ph type="ftr" idx="2"/>
+            <p:ph type="ftr" idx="1"/>
           </p:nvPr>
         </p:nvSpPr>
         <p:spPr/>
@@ -1723,14 +1723,14 @@
             <a:spLocks noGrp="1"/>
           </p:cNvSpPr>
           <p:nvPr>
-            <p:ph type="sldNum" idx="3"/>
+            <p:ph type="sldNum" idx="2"/>
           </p:nvPr>
         </p:nvSpPr>
         <p:spPr/>
         <p:txBody>
           <a:bodyPr/>
           <a:p>
-            <a:fld id="{6865FFBE-49EA-4740-B6A4-4ABAFEF47FF1}" type="slidenum">
+            <a:fld id="{E64B6AD9-B8B7-4561-9D08-CE55DCB16F6D}" type="slidenum">
               <a:t>&lt;#&gt;</a:t>
             </a:fld>
           </a:p>
@@ -1743,7 +1743,7 @@
             <a:spLocks noGrp="1"/>
           </p:cNvSpPr>
           <p:nvPr>
-            <p:ph type="dt" idx="1"/>
+            <p:ph type="dt" idx="3"/>
           </p:nvPr>
         </p:nvSpPr>
         <p:spPr/>
@@ -1792,7 +1792,7 @@
         <p:spPr>
           <a:xfrm>
             <a:off x="504000" y="226080"/>
-            <a:ext cx="9071640" cy="946440"/>
+            <a:ext cx="9070920" cy="945720"/>
           </a:xfrm>
           <a:prstGeom prst="rect">
             <a:avLst/>
@@ -1955,7 +1955,7 @@
             <a:spLocks noGrp="1"/>
           </p:cNvSpPr>
           <p:nvPr>
-            <p:ph type="ftr" idx="2"/>
+            <p:ph type="ftr" idx="1"/>
           </p:nvPr>
         </p:nvSpPr>
         <p:spPr/>
@@ -1975,14 +1975,14 @@
             <a:spLocks noGrp="1"/>
           </p:cNvSpPr>
           <p:nvPr>
-            <p:ph type="sldNum" idx="3"/>
+            <p:ph type="sldNum" idx="2"/>
           </p:nvPr>
         </p:nvSpPr>
         <p:spPr/>
         <p:txBody>
           <a:bodyPr/>
           <a:p>
-            <a:fld id="{B81335E5-2D17-4345-8452-C8E62CD88AC2}" type="slidenum">
+            <a:fld id="{525C9B86-29CE-4442-8179-183775CA0708}" type="slidenum">
               <a:t>&lt;#&gt;</a:t>
             </a:fld>
           </a:p>
@@ -1995,7 +1995,7 @@
             <a:spLocks noGrp="1"/>
           </p:cNvSpPr>
           <p:nvPr>
-            <p:ph type="dt" idx="1"/>
+            <p:ph type="dt" idx="3"/>
           </p:nvPr>
         </p:nvSpPr>
         <p:spPr/>
@@ -2044,7 +2044,7 @@
         <p:spPr>
           <a:xfrm>
             <a:off x="504000" y="226080"/>
-            <a:ext cx="9071640" cy="946440"/>
+            <a:ext cx="9070920" cy="945720"/>
           </a:xfrm>
           <a:prstGeom prst="rect">
             <a:avLst/>
@@ -2207,7 +2207,7 @@
             <a:spLocks noGrp="1"/>
           </p:cNvSpPr>
           <p:nvPr>
-            <p:ph type="ftr" idx="2"/>
+            <p:ph type="ftr" idx="1"/>
           </p:nvPr>
         </p:nvSpPr>
         <p:spPr/>
@@ -2227,14 +2227,14 @@
             <a:spLocks noGrp="1"/>
           </p:cNvSpPr>
           <p:nvPr>
-            <p:ph type="sldNum" idx="3"/>
+            <p:ph type="sldNum" idx="2"/>
           </p:nvPr>
         </p:nvSpPr>
         <p:spPr/>
         <p:txBody>
           <a:bodyPr/>
           <a:p>
-            <a:fld id="{AA509D14-92A4-4F9B-876B-143A7A2AF916}" type="slidenum">
+            <a:fld id="{BCBD7440-A79D-469F-92C7-CA2CC6814652}" type="slidenum">
               <a:t>&lt;#&gt;</a:t>
             </a:fld>
           </a:p>
@@ -2247,7 +2247,7 @@
             <a:spLocks noGrp="1"/>
           </p:cNvSpPr>
           <p:nvPr>
-            <p:ph type="dt" idx="1"/>
+            <p:ph type="dt" idx="3"/>
           </p:nvPr>
         </p:nvSpPr>
         <p:spPr/>
@@ -2296,7 +2296,7 @@
         <p:spPr>
           <a:xfrm>
             <a:off x="504000" y="226080"/>
-            <a:ext cx="9071640" cy="946440"/>
+            <a:ext cx="9070920" cy="945720"/>
           </a:xfrm>
           <a:prstGeom prst="rect">
             <a:avLst/>
@@ -2459,7 +2459,7 @@
             <a:spLocks noGrp="1"/>
           </p:cNvSpPr>
           <p:nvPr>
-            <p:ph type="ftr" idx="2"/>
+            <p:ph type="ftr" idx="1"/>
           </p:nvPr>
         </p:nvSpPr>
         <p:spPr/>
@@ -2479,14 +2479,14 @@
             <a:spLocks noGrp="1"/>
           </p:cNvSpPr>
           <p:nvPr>
-            <p:ph type="sldNum" idx="3"/>
+            <p:ph type="sldNum" idx="2"/>
           </p:nvPr>
         </p:nvSpPr>
         <p:spPr/>
         <p:txBody>
           <a:bodyPr/>
           <a:p>
-            <a:fld id="{CCB1B57F-73CB-4CA4-B9F0-12767B87E22D}" type="slidenum">
+            <a:fld id="{AC7FF6F3-73AA-47E6-A5A1-CCFF960F5C5B}" type="slidenum">
               <a:t>&lt;#&gt;</a:t>
             </a:fld>
           </a:p>
@@ -2499,7 +2499,7 @@
             <a:spLocks noGrp="1"/>
           </p:cNvSpPr>
           <p:nvPr>
-            <p:ph type="dt" idx="1"/>
+            <p:ph type="dt" idx="3"/>
           </p:nvPr>
         </p:nvSpPr>
         <p:spPr/>
@@ -2548,7 +2548,7 @@
         <p:spPr>
           <a:xfrm>
             <a:off x="504000" y="226080"/>
-            <a:ext cx="9071640" cy="946440"/>
+            <a:ext cx="9070920" cy="945720"/>
           </a:xfrm>
           <a:prstGeom prst="rect">
             <a:avLst/>
@@ -2563,11 +2563,11 @@
             <a:noAutofit/>
           </a:bodyPr>
           <a:p>
-            <a:pPr indent="0" algn="ctr">
+            <a:pPr indent="0">
               <a:buNone/>
             </a:pPr>
             <a:r>
-              <a:rPr b="0" lang="en-US" sz="4400" spc="-1" strike="noStrike">
+              <a:rPr b="0" lang="en-US" sz="1800" spc="-1" strike="noStrike">
                 <a:solidFill>
                   <a:srgbClr val="000000"/>
                 </a:solidFill>
@@ -2575,7 +2575,7 @@
               </a:rPr>
               <a:t>Click to edit the title text format</a:t>
             </a:r>
-            <a:endParaRPr b="0" lang="en-US" sz="4400" spc="-1" strike="noStrike">
+            <a:endParaRPr b="0" lang="en-US" sz="1800" spc="-1" strike="noStrike">
               <a:solidFill>
                 <a:srgbClr val="000000"/>
               </a:solidFill>
@@ -2624,7 +2624,7 @@
               <a:buChar char=""/>
             </a:pPr>
             <a:r>
-              <a:rPr b="0" lang="en-US" sz="3200" spc="-1" strike="noStrike">
+              <a:rPr b="0" lang="en-US" sz="1800" spc="-1" strike="noStrike">
                 <a:solidFill>
                   <a:srgbClr val="000000"/>
                 </a:solidFill>
@@ -2632,7 +2632,7 @@
               </a:rPr>
               <a:t>Click to edit the outline text format</a:t>
             </a:r>
-            <a:endParaRPr b="0" lang="en-US" sz="3200" spc="-1" strike="noStrike">
+            <a:endParaRPr b="0" lang="en-US" sz="1800" spc="-1" strike="noStrike">
               <a:solidFill>
                 <a:srgbClr val="000000"/>
               </a:solidFill>
@@ -2652,7 +2652,7 @@
               <a:buChar char=""/>
             </a:pPr>
             <a:r>
-              <a:rPr b="0" lang="en-US" sz="2800" spc="-1" strike="noStrike">
+              <a:rPr b="0" lang="en-US" sz="1800" spc="-1" strike="noStrike">
                 <a:solidFill>
                   <a:srgbClr val="000000"/>
                 </a:solidFill>
@@ -2660,7 +2660,7 @@
               </a:rPr>
               <a:t>Second Outline Level</a:t>
             </a:r>
-            <a:endParaRPr b="0" lang="en-US" sz="2800" spc="-1" strike="noStrike">
+            <a:endParaRPr b="0" lang="en-US" sz="1800" spc="-1" strike="noStrike">
               <a:solidFill>
                 <a:srgbClr val="000000"/>
               </a:solidFill>
@@ -2680,7 +2680,7 @@
               <a:buChar char=""/>
             </a:pPr>
             <a:r>
-              <a:rPr b="0" lang="en-US" sz="2400" spc="-1" strike="noStrike">
+              <a:rPr b="0" lang="en-US" sz="1800" spc="-1" strike="noStrike">
                 <a:solidFill>
                   <a:srgbClr val="000000"/>
                 </a:solidFill>
@@ -2688,7 +2688,7 @@
               </a:rPr>
               <a:t>Third Outline Level</a:t>
             </a:r>
-            <a:endParaRPr b="0" lang="en-US" sz="2400" spc="-1" strike="noStrike">
+            <a:endParaRPr b="0" lang="en-US" sz="1800" spc="-1" strike="noStrike">
               <a:solidFill>
                 <a:srgbClr val="000000"/>
               </a:solidFill>
@@ -2708,7 +2708,7 @@
               <a:buChar char=""/>
             </a:pPr>
             <a:r>
-              <a:rPr b="0" lang="en-US" sz="2000" spc="-1" strike="noStrike">
+              <a:rPr b="0" lang="en-US" sz="1800" spc="-1" strike="noStrike">
                 <a:solidFill>
                   <a:srgbClr val="000000"/>
                 </a:solidFill>
@@ -2716,7 +2716,7 @@
               </a:rPr>
               <a:t>Fourth Outline Level</a:t>
             </a:r>
-            <a:endParaRPr b="0" lang="en-US" sz="2000" spc="-1" strike="noStrike">
+            <a:endParaRPr b="0" lang="en-US" sz="1800" spc="-1" strike="noStrike">
               <a:solidFill>
                 <a:srgbClr val="000000"/>
               </a:solidFill>
@@ -2736,7 +2736,7 @@
               <a:buChar char=""/>
             </a:pPr>
             <a:r>
-              <a:rPr b="0" lang="en-US" sz="2000" spc="-1" strike="noStrike">
+              <a:rPr b="0" lang="en-US" sz="1800" spc="-1" strike="noStrike">
                 <a:solidFill>
                   <a:srgbClr val="000000"/>
                 </a:solidFill>
@@ -2744,7 +2744,7 @@
               </a:rPr>
               <a:t>Fifth Outline Level</a:t>
             </a:r>
-            <a:endParaRPr b="0" lang="en-US" sz="2000" spc="-1" strike="noStrike">
+            <a:endParaRPr b="0" lang="en-US" sz="1800" spc="-1" strike="noStrike">
               <a:solidFill>
                 <a:srgbClr val="000000"/>
               </a:solidFill>
@@ -2764,7 +2764,7 @@
               <a:buChar char=""/>
             </a:pPr>
             <a:r>
-              <a:rPr b="0" lang="en-US" sz="2000" spc="-1" strike="noStrike">
+              <a:rPr b="0" lang="en-US" sz="1800" spc="-1" strike="noStrike">
                 <a:solidFill>
                   <a:srgbClr val="000000"/>
                 </a:solidFill>
@@ -2772,7 +2772,7 @@
               </a:rPr>
               <a:t>Sixth Outline Level</a:t>
             </a:r>
-            <a:endParaRPr b="0" lang="en-US" sz="2000" spc="-1" strike="noStrike">
+            <a:endParaRPr b="0" lang="en-US" sz="1800" spc="-1" strike="noStrike">
               <a:solidFill>
                 <a:srgbClr val="000000"/>
               </a:solidFill>
@@ -2792,7 +2792,7 @@
               <a:buChar char=""/>
             </a:pPr>
             <a:r>
-              <a:rPr b="0" lang="en-US" sz="2000" spc="-1" strike="noStrike">
+              <a:rPr b="0" lang="en-US" sz="1800" spc="-1" strike="noStrike">
                 <a:solidFill>
                   <a:srgbClr val="000000"/>
                 </a:solidFill>
@@ -2800,7 +2800,7 @@
               </a:rPr>
               <a:t>Seventh Outline Level</a:t>
             </a:r>
-            <a:endParaRPr b="0" lang="en-US" sz="2000" spc="-1" strike="noStrike">
+            <a:endParaRPr b="0" lang="en-US" sz="1800" spc="-1" strike="noStrike">
               <a:solidFill>
                 <a:srgbClr val="000000"/>
               </a:solidFill>
@@ -2816,13 +2816,157 @@
             <a:spLocks noGrp="1"/>
           </p:cNvSpPr>
           <p:nvPr>
-            <p:ph type="dt" idx="1"/>
+            <p:ph type="ftr" idx="1"/>
+          </p:nvPr>
+        </p:nvSpPr>
+        <p:spPr>
+          <a:xfrm>
+            <a:off x="3447360" y="5165280"/>
+            <a:ext cx="3194280" cy="389880"/>
+          </a:xfrm>
+          <a:prstGeom prst="rect">
+            <a:avLst/>
+          </a:prstGeom>
+          <a:noFill/>
+          <a:ln w="0">
+            <a:noFill/>
+          </a:ln>
+        </p:spPr>
+        <p:txBody>
+          <a:bodyPr lIns="0" rIns="0" tIns="0" bIns="0" anchor="t">
+            <a:noAutofit/>
+          </a:bodyPr>
+          <a:lstStyle>
+            <a:lvl1pPr indent="0" algn="ctr">
+              <a:lnSpc>
+                <a:spcPct val="100000"/>
+              </a:lnSpc>
+              <a:buNone/>
+              <a:tabLst>
+                <a:tab algn="l" pos="0"/>
+              </a:tabLst>
+              <a:defRPr b="0" lang="en-US" sz="1400" spc="-1" strike="noStrike">
+                <a:solidFill>
+                  <a:srgbClr val="000000"/>
+                </a:solidFill>
+                <a:latin typeface="Times New Roman"/>
+              </a:defRPr>
+            </a:lvl1pPr>
+          </a:lstStyle>
+          <a:p>
+            <a:pPr indent="0" algn="ctr">
+              <a:lnSpc>
+                <a:spcPct val="100000"/>
+              </a:lnSpc>
+              <a:buNone/>
+              <a:tabLst>
+                <a:tab algn="l" pos="0"/>
+              </a:tabLst>
+            </a:pPr>
+            <a:r>
+              <a:rPr b="0" lang="en-US" sz="1400" spc="-1" strike="noStrike">
+                <a:solidFill>
+                  <a:srgbClr val="000000"/>
+                </a:solidFill>
+                <a:latin typeface="Times New Roman"/>
+              </a:rPr>
+              <a:t>&lt;footer&gt;</a:t>
+            </a:r>
+            <a:endParaRPr b="0" lang="en-US" sz="1400" spc="-1" strike="noStrike">
+              <a:solidFill>
+                <a:srgbClr val="000000"/>
+              </a:solidFill>
+              <a:latin typeface="Times New Roman"/>
+            </a:endParaRPr>
+          </a:p>
+        </p:txBody>
+      </p:sp>
+      <p:sp>
+        <p:nvSpPr>
+          <p:cNvPr id="3" name="PlaceHolder 4"/>
+          <p:cNvSpPr>
+            <a:spLocks noGrp="1"/>
+          </p:cNvSpPr>
+          <p:nvPr>
+            <p:ph type="sldNum" idx="2"/>
+          </p:nvPr>
+        </p:nvSpPr>
+        <p:spPr>
+          <a:xfrm>
+            <a:off x="7227360" y="5165280"/>
+            <a:ext cx="2347560" cy="389880"/>
+          </a:xfrm>
+          <a:prstGeom prst="rect">
+            <a:avLst/>
+          </a:prstGeom>
+          <a:noFill/>
+          <a:ln w="0">
+            <a:noFill/>
+          </a:ln>
+        </p:spPr>
+        <p:txBody>
+          <a:bodyPr lIns="0" rIns="0" tIns="0" bIns="0" anchor="t">
+            <a:noAutofit/>
+          </a:bodyPr>
+          <a:lstStyle>
+            <a:lvl1pPr indent="0" algn="r">
+              <a:lnSpc>
+                <a:spcPct val="100000"/>
+              </a:lnSpc>
+              <a:buNone/>
+              <a:tabLst>
+                <a:tab algn="l" pos="0"/>
+              </a:tabLst>
+              <a:defRPr b="0" lang="en-US" sz="1400" spc="-1" strike="noStrike">
+                <a:solidFill>
+                  <a:srgbClr val="000000"/>
+                </a:solidFill>
+                <a:latin typeface="Times New Roman"/>
+              </a:defRPr>
+            </a:lvl1pPr>
+          </a:lstStyle>
+          <a:p>
+            <a:pPr indent="0" algn="r">
+              <a:lnSpc>
+                <a:spcPct val="100000"/>
+              </a:lnSpc>
+              <a:buNone/>
+              <a:tabLst>
+                <a:tab algn="l" pos="0"/>
+              </a:tabLst>
+            </a:pPr>
+            <a:fld id="{15BD8C74-C138-4339-A9B5-24CF42104E64}" type="slidenum">
+              <a:rPr b="0" lang="en-US" sz="1400" spc="-1" strike="noStrike">
+                <a:solidFill>
+                  <a:srgbClr val="000000"/>
+                </a:solidFill>
+                <a:latin typeface="Times New Roman"/>
+              </a:rPr>
+              <a:t>&lt;number&gt;</a:t>
+            </a:fld>
+            <a:endParaRPr b="0" lang="en-US" sz="1400" spc="-1" strike="noStrike">
+              <a:solidFill>
+                <a:srgbClr val="000000"/>
+              </a:solidFill>
+              <a:latin typeface="Times New Roman"/>
+            </a:endParaRPr>
+          </a:p>
+        </p:txBody>
+      </p:sp>
+      <p:sp>
+        <p:nvSpPr>
+          <p:cNvPr id="4" name="PlaceHolder 5"/>
+          <p:cNvSpPr>
+            <a:spLocks noGrp="1"/>
+          </p:cNvSpPr>
+          <p:nvPr>
+            <p:ph type="dt" idx="3"/>
           </p:nvPr>
         </p:nvSpPr>
         <p:spPr>
           <a:xfrm>
             <a:off x="504000" y="5165280"/>
-            <a:ext cx="2348280" cy="390600"/>
+            <a:ext cx="2347560" cy="389880"/>
           </a:xfrm>
           <a:prstGeom prst="rect">
             <a:avLst/>
@@ -2860,126 +3004,6 @@
               </a:rPr>
               <a:t>&lt;date/time&gt;</a:t>
             </a:r>
-            <a:endParaRPr b="0" lang="en-US" sz="1400" spc="-1" strike="noStrike">
-              <a:solidFill>
-                <a:srgbClr val="000000"/>
-              </a:solidFill>
-              <a:latin typeface="Times New Roman"/>
-            </a:endParaRPr>
-          </a:p>
-        </p:txBody>
-      </p:sp>
-      <p:sp>
-        <p:nvSpPr>
-          <p:cNvPr id="3" name="PlaceHolder 4"/>
-          <p:cNvSpPr>
-            <a:spLocks noGrp="1"/>
-          </p:cNvSpPr>
-          <p:nvPr>
-            <p:ph type="ftr" idx="2"/>
-          </p:nvPr>
-        </p:nvSpPr>
-        <p:spPr>
-          <a:xfrm>
-            <a:off x="3447360" y="5165280"/>
-            <a:ext cx="3195000" cy="390600"/>
-          </a:xfrm>
-          <a:prstGeom prst="rect">
-            <a:avLst/>
-          </a:prstGeom>
-          <a:noFill/>
-          <a:ln w="0">
-            <a:noFill/>
-          </a:ln>
-        </p:spPr>
-        <p:txBody>
-          <a:bodyPr lIns="0" rIns="0" tIns="0" bIns="0" anchor="t">
-            <a:noAutofit/>
-          </a:bodyPr>
-          <a:lstStyle>
-            <a:lvl1pPr indent="0" algn="ctr">
-              <a:buNone/>
-              <a:defRPr b="0" lang="en-US" sz="1400" spc="-1" strike="noStrike">
-                <a:solidFill>
-                  <a:srgbClr val="000000"/>
-                </a:solidFill>
-                <a:latin typeface="Times New Roman"/>
-              </a:defRPr>
-            </a:lvl1pPr>
-          </a:lstStyle>
-          <a:p>
-            <a:pPr indent="0" algn="ctr">
-              <a:buNone/>
-            </a:pPr>
-            <a:r>
-              <a:rPr b="0" lang="en-US" sz="1400" spc="-1" strike="noStrike">
-                <a:solidFill>
-                  <a:srgbClr val="000000"/>
-                </a:solidFill>
-                <a:latin typeface="Times New Roman"/>
-              </a:rPr>
-              <a:t>&lt;footer&gt;</a:t>
-            </a:r>
-            <a:endParaRPr b="0" lang="en-US" sz="1400" spc="-1" strike="noStrike">
-              <a:solidFill>
-                <a:srgbClr val="000000"/>
-              </a:solidFill>
-              <a:latin typeface="Times New Roman"/>
-            </a:endParaRPr>
-          </a:p>
-        </p:txBody>
-      </p:sp>
-      <p:sp>
-        <p:nvSpPr>
-          <p:cNvPr id="4" name="PlaceHolder 5"/>
-          <p:cNvSpPr>
-            <a:spLocks noGrp="1"/>
-          </p:cNvSpPr>
-          <p:nvPr>
-            <p:ph type="sldNum" idx="3"/>
-          </p:nvPr>
-        </p:nvSpPr>
-        <p:spPr>
-          <a:xfrm>
-            <a:off x="7227360" y="5165280"/>
-            <a:ext cx="2348280" cy="390600"/>
-          </a:xfrm>
-          <a:prstGeom prst="rect">
-            <a:avLst/>
-          </a:prstGeom>
-          <a:noFill/>
-          <a:ln w="0">
-            <a:noFill/>
-          </a:ln>
-        </p:spPr>
-        <p:txBody>
-          <a:bodyPr lIns="0" rIns="0" tIns="0" bIns="0" anchor="t">
-            <a:noAutofit/>
-          </a:bodyPr>
-          <a:lstStyle>
-            <a:lvl1pPr indent="0" algn="r">
-              <a:buNone/>
-              <a:defRPr b="0" lang="en-US" sz="1400" spc="-1" strike="noStrike">
-                <a:solidFill>
-                  <a:srgbClr val="000000"/>
-                </a:solidFill>
-                <a:latin typeface="Times New Roman"/>
-              </a:defRPr>
-            </a:lvl1pPr>
-          </a:lstStyle>
-          <a:p>
-            <a:pPr indent="0" algn="r">
-              <a:buNone/>
-            </a:pPr>
-            <a:fld id="{06AF5CCB-82E0-4336-AEC6-6B1A3F4716AE}" type="slidenum">
-              <a:rPr b="0" lang="en-US" sz="1400" spc="-1" strike="noStrike">
-                <a:solidFill>
-                  <a:srgbClr val="000000"/>
-                </a:solidFill>
-                <a:latin typeface="Times New Roman"/>
-              </a:rPr>
-              <a:t>&lt;number&gt;</a:t>
-            </a:fld>
             <a:endParaRPr b="0" lang="en-US" sz="1400" spc="-1" strike="noStrike">
               <a:solidFill>
                 <a:srgbClr val="000000"/>
@@ -3035,15 +3059,15 @@
         <p:spPr>
           <a:xfrm>
             <a:off x="5715000" y="91440"/>
-            <a:ext cx="1810440" cy="2377440"/>
+            <a:ext cx="1809720" cy="2376720"/>
           </a:xfrm>
           <a:custGeom>
             <a:avLst/>
             <a:gdLst>
-              <a:gd name="textAreaLeft" fmla="*/ 88200 w 1810440"/>
-              <a:gd name="textAreaRight" fmla="*/ 1722240 w 1810440"/>
-              <a:gd name="textAreaTop" fmla="*/ 88200 h 2377440"/>
-              <a:gd name="textAreaBottom" fmla="*/ 2289240 h 2377440"/>
+              <a:gd name="textAreaLeft" fmla="*/ 88200 w 1809720"/>
+              <a:gd name="textAreaRight" fmla="*/ 1722240 w 1809720"/>
+              <a:gd name="textAreaTop" fmla="*/ 88200 h 2376720"/>
+              <a:gd name="textAreaBottom" fmla="*/ 2289240 h 2376720"/>
             </a:gdLst>
             <a:ahLst/>
             <a:rect l="textAreaLeft" t="textAreaTop" r="textAreaRight" b="textAreaBottom"/>
@@ -3070,7 +3094,7 @@
             </a:pathLst>
           </a:custGeom>
           <a:solidFill>
-            <a:srgbClr val="dedce6"/>
+            <a:srgbClr val="dde8cb"/>
           </a:solidFill>
           <a:ln w="0">
             <a:solidFill>
@@ -3089,11 +3113,17 @@
             <a:noAutofit/>
           </a:bodyPr>
           <a:p>
+            <a:pPr>
+              <a:lnSpc>
+                <a:spcPct val="100000"/>
+              </a:lnSpc>
+            </a:pPr>
             <a:endParaRPr b="0" lang="en-US" sz="1800" spc="-1" strike="noStrike">
               <a:solidFill>
                 <a:srgbClr val="000000"/>
               </a:solidFill>
               <a:latin typeface="Arial"/>
+              <a:ea typeface="DejaVu Sans"/>
             </a:endParaRPr>
           </a:p>
         </p:txBody>
@@ -3107,15 +3137,15 @@
         <p:spPr>
           <a:xfrm>
             <a:off x="7592400" y="58680"/>
-            <a:ext cx="2237400" cy="2455920"/>
+            <a:ext cx="2236680" cy="2455200"/>
           </a:xfrm>
           <a:custGeom>
             <a:avLst/>
             <a:gdLst>
-              <a:gd name="textAreaLeft" fmla="*/ 109080 w 2237400"/>
-              <a:gd name="textAreaRight" fmla="*/ 2128320 w 2237400"/>
-              <a:gd name="textAreaTop" fmla="*/ 109080 h 2455920"/>
-              <a:gd name="textAreaBottom" fmla="*/ 2346840 h 2455920"/>
+              <a:gd name="textAreaLeft" fmla="*/ 109080 w 2236680"/>
+              <a:gd name="textAreaRight" fmla="*/ 2128320 w 2236680"/>
+              <a:gd name="textAreaTop" fmla="*/ 109080 h 2455200"/>
+              <a:gd name="textAreaBottom" fmla="*/ 2346840 h 2455200"/>
             </a:gdLst>
             <a:ahLst/>
             <a:rect l="textAreaLeft" t="textAreaTop" r="textAreaRight" b="textAreaBottom"/>
@@ -3142,7 +3172,7 @@
             </a:pathLst>
           </a:custGeom>
           <a:solidFill>
-            <a:srgbClr val="dedce6"/>
+            <a:srgbClr val="dde8cb"/>
           </a:solidFill>
           <a:ln w="0">
             <a:solidFill>
@@ -3161,11 +3191,17 @@
             <a:noAutofit/>
           </a:bodyPr>
           <a:p>
+            <a:pPr>
+              <a:lnSpc>
+                <a:spcPct val="100000"/>
+              </a:lnSpc>
+            </a:pPr>
             <a:endParaRPr b="0" lang="en-US" sz="1800" spc="-1" strike="noStrike">
               <a:solidFill>
                 <a:srgbClr val="000000"/>
               </a:solidFill>
               <a:latin typeface="Arial"/>
+              <a:ea typeface="DejaVu Sans"/>
             </a:endParaRPr>
           </a:p>
         </p:txBody>
@@ -3179,7 +3215,7 @@
         <p:spPr>
           <a:xfrm>
             <a:off x="264600" y="192600"/>
-            <a:ext cx="2971800" cy="1904400"/>
+            <a:ext cx="2971080" cy="1903680"/>
           </a:xfrm>
           <a:prstGeom prst="roundRect">
             <a:avLst>
@@ -3187,7 +3223,7 @@
             </a:avLst>
           </a:prstGeom>
           <a:solidFill>
-            <a:srgbClr val="dedce6"/>
+            <a:srgbClr val="dddddd"/>
           </a:solidFill>
           <a:ln w="0">
             <a:solidFill>
@@ -3206,11 +3242,17 @@
             <a:noAutofit/>
           </a:bodyPr>
           <a:p>
+            <a:pPr>
+              <a:lnSpc>
+                <a:spcPct val="100000"/>
+              </a:lnSpc>
+            </a:pPr>
             <a:endParaRPr b="0" lang="en-US" sz="1800" spc="-1" strike="noStrike">
               <a:solidFill>
                 <a:srgbClr val="000000"/>
               </a:solidFill>
               <a:latin typeface="Arial"/>
+              <a:ea typeface="DejaVu Sans"/>
             </a:endParaRPr>
           </a:p>
         </p:txBody>
@@ -3224,7 +3266,7 @@
         <p:spPr>
           <a:xfrm>
             <a:off x="228600" y="2743200"/>
-            <a:ext cx="9601200" cy="2743200"/>
+            <a:ext cx="9600480" cy="2742480"/>
           </a:xfrm>
           <a:prstGeom prst="roundRect">
             <a:avLst>
@@ -3251,11 +3293,17 @@
             <a:noAutofit/>
           </a:bodyPr>
           <a:p>
+            <a:pPr>
+              <a:lnSpc>
+                <a:spcPct val="100000"/>
+              </a:lnSpc>
+            </a:pPr>
             <a:endParaRPr b="0" lang="en-US" sz="1800" spc="-1" strike="noStrike">
               <a:solidFill>
                 <a:srgbClr val="000000"/>
               </a:solidFill>
               <a:latin typeface="Arial"/>
+              <a:ea typeface="DejaVu Sans"/>
             </a:endParaRPr>
           </a:p>
         </p:txBody>
@@ -3269,7 +3317,7 @@
         <p:spPr>
           <a:xfrm>
             <a:off x="1600200" y="3751200"/>
-            <a:ext cx="5029200" cy="1600200"/>
+            <a:ext cx="5028480" cy="1599480"/>
           </a:xfrm>
           <a:prstGeom prst="rect">
             <a:avLst/>
@@ -3294,11 +3342,17 @@
             <a:noAutofit/>
           </a:bodyPr>
           <a:p>
+            <a:pPr>
+              <a:lnSpc>
+                <a:spcPct val="100000"/>
+              </a:lnSpc>
+            </a:pPr>
             <a:endParaRPr b="0" lang="en-US" sz="1800" spc="-1" strike="noStrike">
               <a:solidFill>
                 <a:srgbClr val="000000"/>
               </a:solidFill>
               <a:latin typeface="Arial"/>
+              <a:ea typeface="DejaVu Sans"/>
             </a:endParaRPr>
           </a:p>
         </p:txBody>
@@ -3312,7 +3366,7 @@
         <p:spPr>
           <a:xfrm>
             <a:off x="3200400" y="3979800"/>
-            <a:ext cx="3200400" cy="1143000"/>
+            <a:ext cx="3199680" cy="1142280"/>
           </a:xfrm>
           <a:prstGeom prst="rect">
             <a:avLst/>
@@ -3337,11 +3391,17 @@
             <a:noAutofit/>
           </a:bodyPr>
           <a:p>
+            <a:pPr>
+              <a:lnSpc>
+                <a:spcPct val="100000"/>
+              </a:lnSpc>
+            </a:pPr>
             <a:endParaRPr b="0" lang="en-US" sz="1800" spc="-1" strike="noStrike">
               <a:solidFill>
                 <a:srgbClr val="000000"/>
               </a:solidFill>
               <a:latin typeface="Arial"/>
+              <a:ea typeface="DejaVu Sans"/>
             </a:endParaRPr>
           </a:p>
         </p:txBody>
@@ -3355,7 +3415,7 @@
         <p:spPr>
           <a:xfrm>
             <a:off x="6858000" y="3751200"/>
-            <a:ext cx="1251000" cy="1587600"/>
+            <a:ext cx="1250280" cy="1586880"/>
           </a:xfrm>
           <a:prstGeom prst="rect">
             <a:avLst/>
@@ -3380,11 +3440,17 @@
             <a:noAutofit/>
           </a:bodyPr>
           <a:p>
+            <a:pPr>
+              <a:lnSpc>
+                <a:spcPct val="100000"/>
+              </a:lnSpc>
+            </a:pPr>
             <a:endParaRPr b="0" lang="en-US" sz="1800" spc="-1" strike="noStrike">
               <a:solidFill>
                 <a:srgbClr val="000000"/>
               </a:solidFill>
               <a:latin typeface="Arial"/>
+              <a:ea typeface="DejaVu Sans"/>
             </a:endParaRPr>
           </a:p>
         </p:txBody>
@@ -3398,7 +3464,7 @@
         <p:spPr>
           <a:xfrm>
             <a:off x="457200" y="4208400"/>
-            <a:ext cx="685800" cy="685800"/>
+            <a:ext cx="685080" cy="685080"/>
           </a:xfrm>
           <a:prstGeom prst="ellipse">
             <a:avLst/>
@@ -3422,11 +3488,17 @@
             <a:noAutofit/>
           </a:bodyPr>
           <a:p>
+            <a:pPr>
+              <a:lnSpc>
+                <a:spcPct val="100000"/>
+              </a:lnSpc>
+            </a:pPr>
             <a:endParaRPr b="0" lang="en-US" sz="1800" spc="-1" strike="noStrike">
               <a:solidFill>
                 <a:srgbClr val="000000"/>
               </a:solidFill>
               <a:latin typeface="Arial"/>
+              <a:ea typeface="DejaVu Sans"/>
             </a:endParaRPr>
           </a:p>
         </p:txBody>
@@ -3440,7 +3512,7 @@
         <p:spPr>
           <a:xfrm>
             <a:off x="2057400" y="4208400"/>
-            <a:ext cx="685800" cy="685800"/>
+            <a:ext cx="685080" cy="685080"/>
           </a:xfrm>
           <a:prstGeom prst="ellipse">
             <a:avLst/>
@@ -3471,29 +3543,12 @@
                 <a:spcPct val="100000"/>
               </a:lnSpc>
             </a:pPr>
-            <a:r>
-              <a:rPr b="0" lang="en-US" sz="1800" spc="-1" strike="noStrike">
-                <a:solidFill>
-                  <a:srgbClr val="000000"/>
-                </a:solidFill>
-                <a:latin typeface="Arial"/>
-              </a:rPr>
-              <a:t>%alpha</a:t>
-            </a:r>
             <a:endParaRPr b="0" lang="en-US" sz="1800" spc="-1" strike="noStrike">
               <a:solidFill>
                 <a:srgbClr val="000000"/>
               </a:solidFill>
               <a:latin typeface="Arial"/>
-            </a:endParaRPr>
-          </a:p>
-          <a:p>
-            <a:pPr algn="ctr"/>
-            <a:endParaRPr b="0" lang="en-US" sz="1800" spc="-1" strike="noStrike">
-              <a:solidFill>
-                <a:srgbClr val="000000"/>
-              </a:solidFill>
-              <a:latin typeface="Arial"/>
+              <a:ea typeface="DejaVu Sans"/>
             </a:endParaRPr>
           </a:p>
         </p:txBody>
@@ -3507,7 +3562,7 @@
         <p:spPr>
           <a:xfrm>
             <a:off x="7086600" y="4219200"/>
-            <a:ext cx="685800" cy="685800"/>
+            <a:ext cx="685080" cy="685080"/>
           </a:xfrm>
           <a:prstGeom prst="ellipse">
             <a:avLst/>
@@ -3533,11 +3588,17 @@
             <a:noAutofit/>
           </a:bodyPr>
           <a:p>
+            <a:pPr>
+              <a:lnSpc>
+                <a:spcPct val="100000"/>
+              </a:lnSpc>
+            </a:pPr>
             <a:endParaRPr b="0" lang="en-US" sz="1800" spc="-1" strike="noStrike">
               <a:solidFill>
                 <a:srgbClr val="000000"/>
               </a:solidFill>
               <a:latin typeface="Arial"/>
+              <a:ea typeface="DejaVu Sans"/>
             </a:endParaRPr>
           </a:p>
         </p:txBody>
@@ -3551,7 +3612,7 @@
         <p:spPr>
           <a:xfrm>
             <a:off x="8807400" y="4220640"/>
-            <a:ext cx="685800" cy="685800"/>
+            <a:ext cx="685080" cy="685080"/>
           </a:xfrm>
           <a:prstGeom prst="ellipse">
             <a:avLst/>
@@ -3577,11 +3638,17 @@
             <a:noAutofit/>
           </a:bodyPr>
           <a:p>
+            <a:pPr>
+              <a:lnSpc>
+                <a:spcPct val="100000"/>
+              </a:lnSpc>
+            </a:pPr>
             <a:endParaRPr b="0" lang="en-US" sz="1800" spc="-1" strike="noStrike">
               <a:solidFill>
                 <a:srgbClr val="000000"/>
               </a:solidFill>
               <a:latin typeface="Arial"/>
+              <a:ea typeface="DejaVu Sans"/>
             </a:endParaRPr>
           </a:p>
         </p:txBody>
@@ -3597,8 +3664,8 @@
         </p:nvCxnSpPr>
         <p:spPr>
           <a:xfrm>
-            <a:off x="1143000" y="4551480"/>
-            <a:ext cx="914760" cy="360"/>
+            <a:off x="1142280" y="4551120"/>
+            <a:ext cx="915480" cy="360"/>
           </a:xfrm>
           <a:prstGeom prst="straightConnector1">
             <a:avLst/>
@@ -3621,8 +3688,8 @@
         </p:nvCxnSpPr>
         <p:spPr>
           <a:xfrm>
-            <a:off x="2743200" y="4551480"/>
-            <a:ext cx="914760" cy="360"/>
+            <a:off x="2742480" y="4551120"/>
+            <a:ext cx="916200" cy="1440"/>
           </a:xfrm>
           <a:prstGeom prst="straightConnector1">
             <a:avLst/>
@@ -3646,7 +3713,7 @@
         <p:spPr>
           <a:xfrm>
             <a:off x="4343400" y="4551480"/>
-            <a:ext cx="686160" cy="15120"/>
+            <a:ext cx="686160" cy="14760"/>
           </a:xfrm>
           <a:prstGeom prst="straightConnector1">
             <a:avLst/>
@@ -3670,8 +3737,8 @@
         </p:nvCxnSpPr>
         <p:spPr>
           <a:xfrm flipH="1">
-            <a:off x="5943600" y="4562280"/>
-            <a:ext cx="1143360" cy="4320"/>
+            <a:off x="5942880" y="4561920"/>
+            <a:ext cx="1144080" cy="4320"/>
           </a:xfrm>
           <a:prstGeom prst="straightConnector1">
             <a:avLst/>
@@ -3695,8 +3762,8 @@
         </p:nvCxnSpPr>
         <p:spPr>
           <a:xfrm flipH="1" flipV="1">
-            <a:off x="7772400" y="4562280"/>
-            <a:ext cx="1035360" cy="1800"/>
+            <a:off x="7771680" y="4561920"/>
+            <a:ext cx="1036080" cy="1800"/>
           </a:xfrm>
           <a:prstGeom prst="straightConnector1">
             <a:avLst/>
@@ -3712,13 +3779,13 @@
       <p:sp>
         <p:nvSpPr>
           <p:cNvPr id="58" name=""/>
-          <p:cNvSpPr txBox="1"/>
+          <p:cNvSpPr/>
           <p:nvPr/>
         </p:nvSpPr>
         <p:spPr>
           <a:xfrm>
             <a:off x="457200" y="3245400"/>
-            <a:ext cx="1055520" cy="462600"/>
+            <a:ext cx="1054800" cy="461880"/>
           </a:xfrm>
           <a:prstGeom prst="rect">
             <a:avLst/>
@@ -3728,18 +3795,29 @@
             <a:noFill/>
           </a:ln>
         </p:spPr>
+        <p:style>
+          <a:lnRef idx="0"/>
+          <a:fillRef idx="0"/>
+          <a:effectRef idx="0"/>
+          <a:fontRef idx="minor"/>
+        </p:style>
         <p:txBody>
           <a:bodyPr lIns="90000" rIns="90000" tIns="45000" bIns="45000" anchor="t">
             <a:noAutofit/>
           </a:bodyPr>
           <a:p>
-            <a:pPr algn="ctr"/>
+            <a:pPr algn="ctr">
+              <a:lnSpc>
+                <a:spcPct val="100000"/>
+              </a:lnSpc>
+            </a:pPr>
             <a:r>
               <a:rPr b="0" lang="en-US" sz="1200" spc="-1" strike="noStrike">
                 <a:solidFill>
                   <a:srgbClr val="000000"/>
                 </a:solidFill>
                 <a:latin typeface="Verdana"/>
+                <a:ea typeface="DejaVu Sans"/>
               </a:rPr>
               <a:t>Dirichlet </a:t>
             </a:r>
@@ -3751,13 +3829,18 @@
             </a:endParaRPr>
           </a:p>
           <a:p>
-            <a:pPr algn="ctr"/>
+            <a:pPr algn="ctr">
+              <a:lnSpc>
+                <a:spcPct val="100000"/>
+              </a:lnSpc>
+            </a:pPr>
             <a:r>
               <a:rPr b="0" lang="en-US" sz="1200" spc="-1" strike="noStrike">
                 <a:solidFill>
                   <a:srgbClr val="000000"/>
                 </a:solidFill>
                 <a:latin typeface="Verdana"/>
+                <a:ea typeface="DejaVu Sans"/>
               </a:rPr>
               <a:t>parameters</a:t>
             </a:r>
@@ -3773,13 +3856,13 @@
       <p:sp>
         <p:nvSpPr>
           <p:cNvPr id="59" name=""/>
-          <p:cNvSpPr txBox="1"/>
+          <p:cNvSpPr/>
           <p:nvPr/>
         </p:nvSpPr>
         <p:spPr>
           <a:xfrm>
             <a:off x="8530200" y="2788200"/>
-            <a:ext cx="1055520" cy="914400"/>
+            <a:ext cx="1054800" cy="913680"/>
           </a:xfrm>
           <a:prstGeom prst="rect">
             <a:avLst/>
@@ -3789,12 +3872,22 @@
             <a:noFill/>
           </a:ln>
         </p:spPr>
+        <p:style>
+          <a:lnRef idx="0"/>
+          <a:fillRef idx="0"/>
+          <a:effectRef idx="0"/>
+          <a:fontRef idx="minor"/>
+        </p:style>
         <p:txBody>
           <a:bodyPr lIns="90000" rIns="90000" tIns="45000" bIns="45000" anchor="t">
             <a:noAutofit/>
           </a:bodyPr>
           <a:p>
-            <a:pPr algn="ctr"/>
+            <a:pPr algn="ctr">
+              <a:lnSpc>
+                <a:spcPct val="100000"/>
+              </a:lnSpc>
+            </a:pPr>
             <a:endParaRPr b="0" lang="en-US" sz="1200" spc="-1" strike="noStrike">
               <a:solidFill>
                 <a:srgbClr val="000000"/>
@@ -3803,7 +3896,11 @@
             </a:endParaRPr>
           </a:p>
           <a:p>
-            <a:pPr algn="ctr"/>
+            <a:pPr algn="ctr">
+              <a:lnSpc>
+                <a:spcPct val="100000"/>
+              </a:lnSpc>
+            </a:pPr>
             <a:endParaRPr b="0" lang="en-US" sz="1200" spc="-1" strike="noStrike">
               <a:solidFill>
                 <a:srgbClr val="000000"/>
@@ -3812,13 +3909,18 @@
             </a:endParaRPr>
           </a:p>
           <a:p>
-            <a:pPr algn="ctr"/>
+            <a:pPr algn="ctr">
+              <a:lnSpc>
+                <a:spcPct val="100000"/>
+              </a:lnSpc>
+            </a:pPr>
             <a:r>
               <a:rPr b="0" lang="en-US" sz="1200" spc="-1" strike="noStrike">
                 <a:solidFill>
                   <a:srgbClr val="000000"/>
                 </a:solidFill>
                 <a:latin typeface="Verdana"/>
+                <a:ea typeface="DejaVu Sans"/>
               </a:rPr>
               <a:t>Dirichlet </a:t>
             </a:r>
@@ -3830,13 +3932,18 @@
             </a:endParaRPr>
           </a:p>
           <a:p>
-            <a:pPr algn="ctr"/>
+            <a:pPr algn="ctr">
+              <a:lnSpc>
+                <a:spcPct val="100000"/>
+              </a:lnSpc>
+            </a:pPr>
             <a:r>
               <a:rPr b="0" lang="en-US" sz="1200" spc="-1" strike="noStrike">
                 <a:solidFill>
                   <a:srgbClr val="000000"/>
                 </a:solidFill>
                 <a:latin typeface="Verdana"/>
+                <a:ea typeface="DejaVu Sans"/>
               </a:rPr>
               <a:t>parameters</a:t>
             </a:r>
@@ -3852,13 +3959,13 @@
       <p:sp>
         <p:nvSpPr>
           <p:cNvPr id="60" name=""/>
-          <p:cNvSpPr txBox="1"/>
+          <p:cNvSpPr/>
           <p:nvPr/>
         </p:nvSpPr>
         <p:spPr>
           <a:xfrm>
             <a:off x="2057400" y="3011400"/>
-            <a:ext cx="1453320" cy="462600"/>
+            <a:ext cx="1452600" cy="461880"/>
           </a:xfrm>
           <a:prstGeom prst="rect">
             <a:avLst/>
@@ -3868,18 +3975,29 @@
             <a:noFill/>
           </a:ln>
         </p:spPr>
+        <p:style>
+          <a:lnRef idx="0"/>
+          <a:fillRef idx="0"/>
+          <a:effectRef idx="0"/>
+          <a:fontRef idx="minor"/>
+        </p:style>
         <p:txBody>
           <a:bodyPr lIns="90000" rIns="90000" tIns="45000" bIns="45000" anchor="t">
             <a:noAutofit/>
           </a:bodyPr>
           <a:p>
-            <a:pPr algn="ctr"/>
+            <a:pPr algn="ctr">
+              <a:lnSpc>
+                <a:spcPct val="100000"/>
+              </a:lnSpc>
+            </a:pPr>
             <a:r>
               <a:rPr b="0" lang="en-US" sz="1200" spc="-1" strike="noStrike">
                 <a:solidFill>
                   <a:srgbClr val="000000"/>
                 </a:solidFill>
                 <a:latin typeface="Verdana"/>
+                <a:ea typeface="DejaVu Sans"/>
               </a:rPr>
               <a:t>Document Topic </a:t>
             </a:r>
@@ -3891,13 +4009,18 @@
             </a:endParaRPr>
           </a:p>
           <a:p>
-            <a:pPr algn="ctr"/>
+            <a:pPr algn="ctr">
+              <a:lnSpc>
+                <a:spcPct val="100000"/>
+              </a:lnSpc>
+            </a:pPr>
             <a:r>
               <a:rPr b="0" lang="en-US" sz="1200" spc="-1" strike="noStrike">
                 <a:solidFill>
                   <a:srgbClr val="000000"/>
                 </a:solidFill>
                 <a:latin typeface="Verdana"/>
+                <a:ea typeface="DejaVu Sans"/>
               </a:rPr>
               <a:t>Distribution</a:t>
             </a:r>
@@ -3913,13 +4036,13 @@
       <p:sp>
         <p:nvSpPr>
           <p:cNvPr id="61" name=""/>
-          <p:cNvSpPr txBox="1"/>
+          <p:cNvSpPr/>
           <p:nvPr/>
         </p:nvSpPr>
         <p:spPr>
           <a:xfrm>
             <a:off x="4008600" y="3016800"/>
-            <a:ext cx="1020600" cy="462600"/>
+            <a:ext cx="1019880" cy="461880"/>
           </a:xfrm>
           <a:prstGeom prst="rect">
             <a:avLst/>
@@ -3929,18 +4052,29 @@
             <a:noFill/>
           </a:ln>
         </p:spPr>
+        <p:style>
+          <a:lnRef idx="0"/>
+          <a:fillRef idx="0"/>
+          <a:effectRef idx="0"/>
+          <a:fontRef idx="minor"/>
+        </p:style>
         <p:txBody>
           <a:bodyPr lIns="90000" rIns="90000" tIns="45000" bIns="45000" anchor="t">
             <a:noAutofit/>
           </a:bodyPr>
           <a:p>
-            <a:pPr algn="ctr"/>
+            <a:pPr algn="ctr">
+              <a:lnSpc>
+                <a:spcPct val="100000"/>
+              </a:lnSpc>
+            </a:pPr>
             <a:r>
               <a:rPr b="0" lang="en-US" sz="1200" spc="-1" strike="noStrike">
                 <a:solidFill>
                   <a:srgbClr val="000000"/>
                 </a:solidFill>
                 <a:latin typeface="Verdana"/>
+                <a:ea typeface="DejaVu Sans"/>
               </a:rPr>
               <a:t>Word-Topic</a:t>
             </a:r>
@@ -3952,13 +4086,18 @@
             </a:endParaRPr>
           </a:p>
           <a:p>
-            <a:pPr algn="ctr"/>
+            <a:pPr algn="ctr">
+              <a:lnSpc>
+                <a:spcPct val="100000"/>
+              </a:lnSpc>
+            </a:pPr>
             <a:r>
               <a:rPr b="0" lang="en-US" sz="1200" spc="-1" strike="noStrike">
                 <a:solidFill>
                   <a:srgbClr val="000000"/>
                 </a:solidFill>
                 <a:latin typeface="Verdana"/>
+                <a:ea typeface="DejaVu Sans"/>
               </a:rPr>
               <a:t>allocation</a:t>
             </a:r>
@@ -3974,13 +4113,13 @@
       <p:sp>
         <p:nvSpPr>
           <p:cNvPr id="62" name=""/>
-          <p:cNvSpPr txBox="1"/>
+          <p:cNvSpPr/>
           <p:nvPr/>
         </p:nvSpPr>
         <p:spPr>
           <a:xfrm>
             <a:off x="5486400" y="3016800"/>
-            <a:ext cx="906120" cy="462600"/>
+            <a:ext cx="905400" cy="461880"/>
           </a:xfrm>
           <a:prstGeom prst="rect">
             <a:avLst/>
@@ -3990,18 +4129,29 @@
             <a:noFill/>
           </a:ln>
         </p:spPr>
+        <p:style>
+          <a:lnRef idx="0"/>
+          <a:fillRef idx="0"/>
+          <a:effectRef idx="0"/>
+          <a:fontRef idx="minor"/>
+        </p:style>
         <p:txBody>
           <a:bodyPr lIns="90000" rIns="90000" tIns="45000" bIns="45000" anchor="t">
             <a:noAutofit/>
           </a:bodyPr>
           <a:p>
-            <a:pPr algn="ctr"/>
+            <a:pPr algn="ctr">
+              <a:lnSpc>
+                <a:spcPct val="100000"/>
+              </a:lnSpc>
+            </a:pPr>
             <a:r>
               <a:rPr b="0" lang="en-US" sz="1200" spc="-1" strike="noStrike">
                 <a:solidFill>
                   <a:srgbClr val="000000"/>
                 </a:solidFill>
                 <a:latin typeface="Verdana"/>
+                <a:ea typeface="DejaVu Sans"/>
               </a:rPr>
               <a:t>Observed</a:t>
             </a:r>
@@ -4013,13 +4163,18 @@
             </a:endParaRPr>
           </a:p>
           <a:p>
-            <a:pPr algn="ctr"/>
+            <a:pPr algn="ctr">
+              <a:lnSpc>
+                <a:spcPct val="100000"/>
+              </a:lnSpc>
+            </a:pPr>
             <a:r>
               <a:rPr b="0" lang="en-US" sz="1200" spc="-1" strike="noStrike">
                 <a:solidFill>
                   <a:srgbClr val="000000"/>
                 </a:solidFill>
                 <a:latin typeface="Verdana"/>
+                <a:ea typeface="DejaVu Sans"/>
               </a:rPr>
               <a:t>word</a:t>
             </a:r>
@@ -4035,13 +4190,13 @@
       <p:sp>
         <p:nvSpPr>
           <p:cNvPr id="63" name=""/>
-          <p:cNvSpPr txBox="1"/>
+          <p:cNvSpPr/>
           <p:nvPr/>
         </p:nvSpPr>
         <p:spPr>
           <a:xfrm>
             <a:off x="6858000" y="3052800"/>
-            <a:ext cx="1080000" cy="462600"/>
+            <a:ext cx="1079280" cy="461880"/>
           </a:xfrm>
           <a:prstGeom prst="rect">
             <a:avLst/>
@@ -4051,18 +4206,29 @@
             <a:noFill/>
           </a:ln>
         </p:spPr>
+        <p:style>
+          <a:lnRef idx="0"/>
+          <a:fillRef idx="0"/>
+          <a:effectRef idx="0"/>
+          <a:fontRef idx="minor"/>
+        </p:style>
         <p:txBody>
           <a:bodyPr lIns="90000" rIns="90000" tIns="45000" bIns="45000" anchor="t">
             <a:noAutofit/>
           </a:bodyPr>
           <a:p>
-            <a:pPr algn="ctr"/>
+            <a:pPr algn="ctr">
+              <a:lnSpc>
+                <a:spcPct val="100000"/>
+              </a:lnSpc>
+            </a:pPr>
             <a:r>
               <a:rPr b="0" lang="en-US" sz="1200" spc="-1" strike="noStrike">
                 <a:solidFill>
                   <a:srgbClr val="000000"/>
                 </a:solidFill>
                 <a:latin typeface="Verdana"/>
+                <a:ea typeface="DejaVu Sans"/>
               </a:rPr>
               <a:t>Topic-Word </a:t>
             </a:r>
@@ -4074,13 +4240,18 @@
             </a:endParaRPr>
           </a:p>
           <a:p>
-            <a:pPr algn="ctr"/>
+            <a:pPr algn="ctr">
+              <a:lnSpc>
+                <a:spcPct val="100000"/>
+              </a:lnSpc>
+            </a:pPr>
             <a:r>
               <a:rPr b="0" lang="en-US" sz="1200" spc="-1" strike="noStrike">
                 <a:solidFill>
                   <a:srgbClr val="000000"/>
                 </a:solidFill>
                 <a:latin typeface="Verdana"/>
+                <a:ea typeface="DejaVu Sans"/>
               </a:rPr>
               <a:t>distribution</a:t>
             </a:r>
@@ -4103,8 +4274,8 @@
         </p:nvCxnSpPr>
         <p:spPr>
           <a:xfrm flipH="1">
-            <a:off x="857520" y="3708000"/>
-            <a:ext cx="127800" cy="509400"/>
+            <a:off x="857520" y="3707280"/>
+            <a:ext cx="127440" cy="510840"/>
           </a:xfrm>
           <a:prstGeom prst="straightConnector1">
             <a:avLst/>
@@ -4129,8 +4300,8 @@
         </p:nvCxnSpPr>
         <p:spPr>
           <a:xfrm>
-            <a:off x="9057960" y="3702600"/>
-            <a:ext cx="92880" cy="518400"/>
+            <a:off x="9057600" y="3701880"/>
+            <a:ext cx="92880" cy="519120"/>
           </a:xfrm>
           <a:prstGeom prst="straightConnector1">
             <a:avLst/>
@@ -4182,6 +4353,7 @@
                 <a:srgbClr val="000000"/>
               </a:solidFill>
               <a:latin typeface="Arial"/>
+              <a:ea typeface="DejaVu Sans"/>
             </a:endParaRPr>
           </a:p>
         </p:txBody>
@@ -4224,6 +4396,7 @@
                 <a:srgbClr val="000000"/>
               </a:solidFill>
               <a:latin typeface="Arial"/>
+              <a:ea typeface="DejaVu Sans"/>
             </a:endParaRPr>
           </a:p>
         </p:txBody>
@@ -4266,6 +4439,7 @@
                 <a:srgbClr val="000000"/>
               </a:solidFill>
               <a:latin typeface="Arial"/>
+              <a:ea typeface="DejaVu Sans"/>
             </a:endParaRPr>
           </a:p>
         </p:txBody>
@@ -4279,7 +4453,7 @@
         <p:spPr>
           <a:xfrm>
             <a:off x="7435800" y="3594600"/>
-            <a:ext cx="0" cy="613800"/>
+            <a:ext cx="360" cy="613800"/>
           </a:xfrm>
           <a:prstGeom prst="line">
             <a:avLst/>
@@ -4308,6 +4482,7 @@
                 <a:srgbClr val="000000"/>
               </a:solidFill>
               <a:latin typeface="Arial"/>
+              <a:ea typeface="DejaVu Sans"/>
             </a:endParaRPr>
           </a:p>
         </p:txBody>
@@ -4325,7 +4500,7 @@
         <p:spPr>
           <a:xfrm>
             <a:off x="650160" y="4384440"/>
-            <a:ext cx="336240" cy="317160"/>
+            <a:ext cx="335520" cy="316440"/>
           </a:xfrm>
           <a:prstGeom prst="rect">
             <a:avLst/>
@@ -4348,7 +4523,7 @@
         <p:spPr>
           <a:xfrm>
             <a:off x="2231640" y="4352400"/>
-            <a:ext cx="354960" cy="385200"/>
+            <a:ext cx="354240" cy="384480"/>
           </a:xfrm>
           <a:prstGeom prst="rect">
             <a:avLst/>
@@ -4371,7 +4546,7 @@
         <p:spPr>
           <a:xfrm>
             <a:off x="2410200" y="2759400"/>
-            <a:ext cx="561600" cy="252000"/>
+            <a:ext cx="560880" cy="251280"/>
           </a:xfrm>
           <a:prstGeom prst="rect">
             <a:avLst/>
@@ -4394,7 +4569,7 @@
         <p:spPr>
           <a:xfrm>
             <a:off x="4150800" y="2788200"/>
-            <a:ext cx="721440" cy="228600"/>
+            <a:ext cx="720720" cy="227880"/>
           </a:xfrm>
           <a:prstGeom prst="rect">
             <a:avLst/>
@@ -4417,7 +4592,7 @@
         <p:spPr>
           <a:xfrm>
             <a:off x="5490720" y="2826000"/>
-            <a:ext cx="994680" cy="211680"/>
+            <a:ext cx="993960" cy="210960"/>
           </a:xfrm>
           <a:prstGeom prst="rect">
             <a:avLst/>
@@ -4441,7 +4616,7 @@
         <p:spPr>
           <a:xfrm>
             <a:off x="9000000" y="4316400"/>
-            <a:ext cx="274320" cy="457200"/>
+            <a:ext cx="273600" cy="456480"/>
           </a:xfrm>
           <a:prstGeom prst="rect">
             <a:avLst/>
@@ -4460,7 +4635,7 @@
         <p:spPr>
           <a:xfrm>
             <a:off x="3657600" y="4299840"/>
-            <a:ext cx="914400" cy="511920"/>
+            <a:ext cx="913680" cy="511200"/>
           </a:xfrm>
           <a:prstGeom prst="rect">
             <a:avLst/>
@@ -4486,11 +4661,17 @@
             <a:noAutofit/>
           </a:bodyPr>
           <a:p>
+            <a:pPr>
+              <a:lnSpc>
+                <a:spcPct val="100000"/>
+              </a:lnSpc>
+            </a:pPr>
             <a:endParaRPr b="0" lang="en-US" sz="1800" spc="-1" strike="noStrike">
               <a:solidFill>
                 <a:srgbClr val="000000"/>
               </a:solidFill>
               <a:latin typeface="Arial"/>
+              <a:ea typeface="DejaVu Sans"/>
             </a:endParaRPr>
           </a:p>
         </p:txBody>
@@ -4508,7 +4689,7 @@
         <p:spPr>
           <a:xfrm>
             <a:off x="3780720" y="4371840"/>
-            <a:ext cx="658440" cy="347400"/>
+            <a:ext cx="657720" cy="346680"/>
           </a:xfrm>
           <a:prstGeom prst="rect">
             <a:avLst/>
@@ -4527,7 +4708,7 @@
         <p:spPr>
           <a:xfrm>
             <a:off x="5029200" y="4310280"/>
-            <a:ext cx="914400" cy="511920"/>
+            <a:ext cx="913680" cy="511200"/>
           </a:xfrm>
           <a:prstGeom prst="rect">
             <a:avLst/>
@@ -4553,11 +4734,17 @@
             <a:noAutofit/>
           </a:bodyPr>
           <a:p>
+            <a:pPr>
+              <a:lnSpc>
+                <a:spcPct val="100000"/>
+              </a:lnSpc>
+            </a:pPr>
             <a:endParaRPr b="0" lang="en-US" sz="1800" spc="-1" strike="noStrike">
               <a:solidFill>
                 <a:srgbClr val="000000"/>
               </a:solidFill>
               <a:latin typeface="Arial"/>
+              <a:ea typeface="DejaVu Sans"/>
             </a:endParaRPr>
           </a:p>
         </p:txBody>
@@ -4576,7 +4763,7 @@
         <p:spPr>
           <a:xfrm>
             <a:off x="5149800" y="4422600"/>
-            <a:ext cx="685800" cy="349200"/>
+            <a:ext cx="685080" cy="348480"/>
           </a:xfrm>
           <a:prstGeom prst="rect">
             <a:avLst/>
@@ -4589,13 +4776,13 @@
       <p:sp>
         <p:nvSpPr>
           <p:cNvPr id="79" name=""/>
-          <p:cNvSpPr txBox="1"/>
+          <p:cNvSpPr/>
           <p:nvPr/>
         </p:nvSpPr>
         <p:spPr>
           <a:xfrm>
             <a:off x="4224960" y="4822200"/>
-            <a:ext cx="1424160" cy="308520"/>
+            <a:ext cx="1423440" cy="307800"/>
           </a:xfrm>
           <a:prstGeom prst="rect">
             <a:avLst/>
@@ -4605,59 +4792,83 @@
             <a:noFill/>
           </a:ln>
         </p:spPr>
+        <p:style>
+          <a:lnRef idx="0"/>
+          <a:fillRef idx="0"/>
+          <a:effectRef idx="0"/>
+          <a:fontRef idx="minor"/>
+        </p:style>
         <p:txBody>
           <a:bodyPr lIns="90000" rIns="90000" tIns="45000" bIns="45000" anchor="t">
             <a:noAutofit/>
           </a:bodyPr>
           <a:p>
+            <a:pPr>
+              <a:lnSpc>
+                <a:spcPct val="100000"/>
+              </a:lnSpc>
+            </a:pPr>
+            <a:r>
+              <a:rPr b="0" lang="en-US" sz="1200" spc="-1" strike="noStrike">
+                <a:solidFill>
+                  <a:srgbClr val="000000"/>
+                </a:solidFill>
+                <a:latin typeface="Verdana"/>
+                <a:ea typeface="DejaVu Sans"/>
+              </a:rPr>
+              <a:t>D  documents</a:t>
+            </a:r>
+            <a:endParaRPr b="0" lang="en-US" sz="1200" spc="-1" strike="noStrike">
+              <a:solidFill>
+                <a:srgbClr val="000000"/>
+              </a:solidFill>
+              <a:latin typeface="Arial"/>
+            </a:endParaRPr>
+          </a:p>
+        </p:txBody>
+      </p:sp>
+      <p:sp>
+        <p:nvSpPr>
+          <p:cNvPr id="80" name=""/>
+          <p:cNvSpPr/>
+          <p:nvPr/>
+        </p:nvSpPr>
+        <p:spPr>
+          <a:xfrm>
+            <a:off x="7027200" y="4935960"/>
+            <a:ext cx="974160" cy="307800"/>
+          </a:xfrm>
+          <a:prstGeom prst="rect">
+            <a:avLst/>
+          </a:prstGeom>
+          <a:noFill/>
+          <a:ln w="0">
+            <a:noFill/>
+          </a:ln>
+        </p:spPr>
+        <p:style>
+          <a:lnRef idx="0"/>
+          <a:fillRef idx="0"/>
+          <a:effectRef idx="0"/>
+          <a:fontRef idx="minor"/>
+        </p:style>
+        <p:txBody>
+          <a:bodyPr lIns="90000" rIns="90000" tIns="45000" bIns="45000" anchor="t">
+            <a:noAutofit/>
+          </a:bodyPr>
+          <a:p>
+            <a:pPr>
+              <a:lnSpc>
+                <a:spcPct val="100000"/>
+              </a:lnSpc>
+            </a:pPr>
             <a:r>
               <a:rPr b="0" lang="en-US" sz="1400" spc="-1" strike="noStrike">
                 <a:solidFill>
                   <a:srgbClr val="000000"/>
                 </a:solidFill>
                 <a:latin typeface="Verdana"/>
-              </a:rPr>
-              <a:t>D  documents</a:t>
-            </a:r>
-            <a:endParaRPr b="0" lang="en-US" sz="1400" spc="-1" strike="noStrike">
-              <a:solidFill>
-                <a:srgbClr val="000000"/>
-              </a:solidFill>
-              <a:latin typeface="Verdana"/>
-            </a:endParaRPr>
-          </a:p>
-        </p:txBody>
-      </p:sp>
-      <p:sp>
-        <p:nvSpPr>
-          <p:cNvPr id="80" name=""/>
-          <p:cNvSpPr txBox="1"/>
-          <p:nvPr/>
-        </p:nvSpPr>
-        <p:spPr>
-          <a:xfrm>
-            <a:off x="7027200" y="4935960"/>
-            <a:ext cx="974880" cy="308520"/>
-          </a:xfrm>
-          <a:prstGeom prst="rect">
-            <a:avLst/>
-          </a:prstGeom>
-          <a:noFill/>
-          <a:ln w="0">
-            <a:noFill/>
-          </a:ln>
-        </p:spPr>
-        <p:txBody>
-          <a:bodyPr lIns="90000" rIns="90000" tIns="45000" bIns="45000" anchor="t">
-            <a:noAutofit/>
-          </a:bodyPr>
-          <a:p>
-            <a:r>
-              <a:rPr b="0" lang="en-US" sz="1400" spc="-1" strike="noStrike">
-                <a:solidFill>
-                  <a:srgbClr val="000000"/>
-                </a:solidFill>
-                <a:latin typeface="Verdana"/>
+                <a:ea typeface="DejaVu Sans"/>
               </a:rPr>
               <a:t>K  Topics</a:t>
             </a:r>
@@ -4665,7 +4876,7 @@
               <a:solidFill>
                 <a:srgbClr val="000000"/>
               </a:solidFill>
-              <a:latin typeface="Verdana"/>
+              <a:latin typeface="Arial"/>
             </a:endParaRPr>
           </a:p>
         </p:txBody>
@@ -4673,13 +4884,13 @@
       <p:sp>
         <p:nvSpPr>
           <p:cNvPr id="81" name=""/>
-          <p:cNvSpPr txBox="1"/>
+          <p:cNvSpPr/>
           <p:nvPr/>
         </p:nvSpPr>
         <p:spPr>
           <a:xfrm>
             <a:off x="7207200" y="4185000"/>
-            <a:ext cx="444240" cy="596160"/>
+            <a:ext cx="443520" cy="595440"/>
           </a:xfrm>
           <a:prstGeom prst="rect">
             <a:avLst/>
@@ -4689,11 +4900,22 @@
             <a:noFill/>
           </a:ln>
         </p:spPr>
+        <p:style>
+          <a:lnRef idx="0"/>
+          <a:fillRef idx="0"/>
+          <a:effectRef idx="0"/>
+          <a:fontRef idx="minor"/>
+        </p:style>
         <p:txBody>
           <a:bodyPr lIns="90000" rIns="90000" tIns="45000" bIns="45000" anchor="t">
             <a:noAutofit/>
           </a:bodyPr>
           <a:p>
+            <a:pPr>
+              <a:lnSpc>
+                <a:spcPct val="100000"/>
+              </a:lnSpc>
+            </a:pPr>
             <a:r>
               <a:rPr b="0" lang="en-US" sz="3600" spc="-1" strike="noStrike">
                 <a:solidFill>
@@ -4726,7 +4948,7 @@
         <p:spPr>
           <a:xfrm>
             <a:off x="2057400" y="790200"/>
-            <a:ext cx="1038600" cy="1038600"/>
+            <a:ext cx="1037880" cy="1037880"/>
           </a:xfrm>
           <a:prstGeom prst="rect">
             <a:avLst/>
@@ -4739,13 +4961,13 @@
       <p:sp>
         <p:nvSpPr>
           <p:cNvPr id="83" name=""/>
-          <p:cNvSpPr txBox="1"/>
-          <p:nvPr/>
-        </p:nvSpPr>
-        <p:spPr>
-          <a:xfrm>
-            <a:off x="2057400" y="228600"/>
-            <a:ext cx="1175760" cy="520200"/>
+          <p:cNvSpPr/>
+          <p:nvPr/>
+        </p:nvSpPr>
+        <p:spPr>
+          <a:xfrm>
+            <a:off x="1828800" y="228600"/>
+            <a:ext cx="1403640" cy="519480"/>
           </a:xfrm>
           <a:prstGeom prst="rect">
             <a:avLst/>
@@ -4755,44 +4977,60 @@
             <a:noFill/>
           </a:ln>
         </p:spPr>
+        <p:style>
+          <a:lnRef idx="0"/>
+          <a:fillRef idx="0"/>
+          <a:effectRef idx="0"/>
+          <a:fontRef idx="minor"/>
+        </p:style>
         <p:txBody>
           <a:bodyPr lIns="90000" rIns="90000" tIns="45000" bIns="45000" anchor="t">
             <a:noAutofit/>
           </a:bodyPr>
           <a:p>
-            <a:pPr algn="ctr"/>
+            <a:pPr algn="ctr">
+              <a:lnSpc>
+                <a:spcPct val="100000"/>
+              </a:lnSpc>
+            </a:pPr>
             <a:r>
-              <a:rPr b="0" lang="en-US" sz="1400" spc="-1" strike="noStrike">
+              <a:rPr b="0" lang="en-US" sz="1200" spc="-1" strike="noStrike">
                 <a:solidFill>
                   <a:srgbClr val="000000"/>
                 </a:solidFill>
                 <a:latin typeface="Verdana"/>
+                <a:ea typeface="DejaVu Sans"/>
               </a:rPr>
               <a:t>Lines as </a:t>
             </a:r>
-            <a:endParaRPr b="0" lang="en-US" sz="1400" spc="-1" strike="noStrike">
-              <a:solidFill>
-                <a:srgbClr val="000000"/>
-              </a:solidFill>
-              <a:latin typeface="Verdana"/>
-            </a:endParaRPr>
-          </a:p>
-          <a:p>
-            <a:pPr algn="ctr"/>
+            <a:endParaRPr b="0" lang="en-US" sz="1200" spc="-1" strike="noStrike">
+              <a:solidFill>
+                <a:srgbClr val="000000"/>
+              </a:solidFill>
+              <a:latin typeface="Arial"/>
+            </a:endParaRPr>
+          </a:p>
+          <a:p>
+            <a:pPr algn="ctr">
+              <a:lnSpc>
+                <a:spcPct val="100000"/>
+              </a:lnSpc>
+            </a:pPr>
             <a:r>
-              <a:rPr b="0" lang="en-US" sz="1400" spc="-1" strike="noStrike">
+              <a:rPr b="0" lang="en-US" sz="1200" spc="-1" strike="noStrike">
                 <a:solidFill>
                   <a:srgbClr val="000000"/>
                 </a:solidFill>
                 <a:latin typeface="Verdana"/>
+                <a:ea typeface="DejaVu Sans"/>
               </a:rPr>
               <a:t>Documents</a:t>
             </a:r>
-            <a:endParaRPr b="0" lang="en-US" sz="1400" spc="-1" strike="noStrike">
-              <a:solidFill>
-                <a:srgbClr val="000000"/>
-              </a:solidFill>
-              <a:latin typeface="Verdana"/>
+            <a:endParaRPr b="0" lang="en-US" sz="1200" spc="-1" strike="noStrike">
+              <a:solidFill>
+                <a:srgbClr val="000000"/>
+              </a:solidFill>
+              <a:latin typeface="Arial"/>
             </a:endParaRPr>
           </a:p>
         </p:txBody>
@@ -4806,15 +5044,15 @@
         <p:spPr>
           <a:xfrm>
             <a:off x="3778200" y="228600"/>
-            <a:ext cx="1449000" cy="1815120"/>
+            <a:ext cx="1448280" cy="1814400"/>
           </a:xfrm>
           <a:custGeom>
             <a:avLst/>
             <a:gdLst>
-              <a:gd name="textAreaLeft" fmla="*/ 70560 w 1449000"/>
-              <a:gd name="textAreaRight" fmla="*/ 1378440 w 1449000"/>
-              <a:gd name="textAreaTop" fmla="*/ 70560 h 1815120"/>
-              <a:gd name="textAreaBottom" fmla="*/ 1744560 h 1815120"/>
+              <a:gd name="textAreaLeft" fmla="*/ 70560 w 1448280"/>
+              <a:gd name="textAreaRight" fmla="*/ 1378440 w 1448280"/>
+              <a:gd name="textAreaTop" fmla="*/ 70560 h 1814400"/>
+              <a:gd name="textAreaBottom" fmla="*/ 1744560 h 1814400"/>
             </a:gdLst>
             <a:ahLst/>
             <a:rect l="textAreaLeft" t="textAreaTop" r="textAreaRight" b="textAreaBottom"/>
@@ -4841,7 +5079,7 @@
             </a:pathLst>
           </a:custGeom>
           <a:solidFill>
-            <a:srgbClr val="afd095"/>
+            <a:srgbClr val="dedce6"/>
           </a:solidFill>
           <a:ln cap="rnd" w="12600">
             <a:solidFill>
@@ -4862,21 +5100,26 @@
             <a:noAutofit/>
           </a:bodyPr>
           <a:p>
-            <a:pPr algn="ctr"/>
+            <a:pPr algn="ctr">
+              <a:lnSpc>
+                <a:spcPct val="100000"/>
+              </a:lnSpc>
+            </a:pPr>
             <a:r>
               <a:rPr b="0" lang="en-US" sz="1400" spc="-1" strike="noStrike">
                 <a:solidFill>
                   <a:srgbClr val="000000"/>
                 </a:solidFill>
                 <a:latin typeface="Verdana"/>
+                <a:ea typeface="DejaVu Sans"/>
               </a:rPr>
-              <a:t>Topic Modeling</a:t>
+              <a:t>LDA</a:t>
             </a:r>
             <a:endParaRPr b="0" lang="en-US" sz="1400" spc="-1" strike="noStrike">
               <a:solidFill>
                 <a:srgbClr val="000000"/>
               </a:solidFill>
-              <a:latin typeface="Verdana"/>
+              <a:latin typeface="Arial"/>
             </a:endParaRPr>
           </a:p>
           <a:p>
@@ -4891,14 +5134,54 @@
                   <a:srgbClr val="000000"/>
                 </a:solidFill>
                 <a:latin typeface="Verdana"/>
+                <a:ea typeface="DejaVu Sans"/>
               </a:rPr>
-              <a:t>K Topics</a:t>
+              <a:t>Topic Modeling</a:t>
             </a:r>
             <a:endParaRPr b="0" lang="en-US" sz="1400" spc="-1" strike="noStrike">
               <a:solidFill>
                 <a:srgbClr val="000000"/>
               </a:solidFill>
-              <a:latin typeface="Verdana"/>
+              <a:latin typeface="Arial"/>
+            </a:endParaRPr>
+          </a:p>
+          <a:p>
+            <a:pPr algn="ctr">
+              <a:lnSpc>
+                <a:spcPct val="100000"/>
+              </a:lnSpc>
+            </a:pPr>
+            <a:endParaRPr b="0" lang="en-US" sz="1400" spc="-1" strike="noStrike">
+              <a:solidFill>
+                <a:srgbClr val="000000"/>
+              </a:solidFill>
+              <a:latin typeface="Arial"/>
+            </a:endParaRPr>
+          </a:p>
+          <a:p>
+            <a:pPr algn="ctr">
+              <a:lnSpc>
+                <a:spcPct val="100000"/>
+              </a:lnSpc>
+            </a:pPr>
+            <a:endParaRPr b="0" lang="en-US" sz="1400" spc="-1" strike="noStrike">
+              <a:solidFill>
+                <a:srgbClr val="000000"/>
+              </a:solidFill>
+              <a:latin typeface="Arial"/>
+            </a:endParaRPr>
+          </a:p>
+          <a:p>
+            <a:pPr algn="ctr">
+              <a:lnSpc>
+                <a:spcPct val="100000"/>
+              </a:lnSpc>
+            </a:pPr>
+            <a:endParaRPr b="0" lang="en-US" sz="1400" spc="-1" strike="noStrike">
+              <a:solidFill>
+                <a:srgbClr val="000000"/>
+              </a:solidFill>
+              <a:latin typeface="Arial"/>
             </a:endParaRPr>
           </a:p>
         </p:txBody>
@@ -4916,7 +5199,7 @@
         <p:spPr>
           <a:xfrm>
             <a:off x="180000" y="385200"/>
-            <a:ext cx="1675800" cy="1675800"/>
+            <a:ext cx="1675080" cy="1675080"/>
           </a:xfrm>
           <a:prstGeom prst="rect">
             <a:avLst/>
@@ -4929,13 +5212,13 @@
       <p:sp>
         <p:nvSpPr>
           <p:cNvPr id="86" name=""/>
-          <p:cNvSpPr txBox="1"/>
-          <p:nvPr/>
-        </p:nvSpPr>
-        <p:spPr>
-          <a:xfrm>
-            <a:off x="503280" y="282240"/>
-            <a:ext cx="1280520" cy="1089360"/>
+          <p:cNvSpPr/>
+          <p:nvPr/>
+        </p:nvSpPr>
+        <p:spPr>
+          <a:xfrm>
+            <a:off x="467280" y="390240"/>
+            <a:ext cx="1279800" cy="1088640"/>
           </a:xfrm>
           <a:prstGeom prst="rect">
             <a:avLst/>
@@ -4945,20 +5228,689 @@
             <a:noFill/>
           </a:ln>
         </p:spPr>
+        <p:style>
+          <a:lnRef idx="0"/>
+          <a:fillRef idx="0"/>
+          <a:effectRef idx="0"/>
+          <a:fontRef idx="minor"/>
+        </p:style>
         <p:txBody>
           <a:bodyPr lIns="90000" rIns="90000" tIns="45000" bIns="45000" anchor="t">
             <a:noAutofit/>
           </a:bodyPr>
           <a:p>
-            <a:pPr algn="ctr"/>
+            <a:pPr algn="ctr">
+              <a:lnSpc>
+                <a:spcPct val="100000"/>
+              </a:lnSpc>
+            </a:pPr>
+            <a:r>
+              <a:rPr b="0" lang="en-US" sz="1200" spc="-1" strike="noStrike">
+                <a:solidFill>
+                  <a:srgbClr val="000000"/>
+                </a:solidFill>
+                <a:latin typeface="Arial"/>
+                <a:ea typeface="DejaVu Sans"/>
+              </a:rPr>
+              <a:t>Textbook</a:t>
+            </a:r>
+            <a:endParaRPr b="0" lang="en-US" sz="1200" spc="-1" strike="noStrike">
+              <a:solidFill>
+                <a:srgbClr val="000000"/>
+              </a:solidFill>
+              <a:latin typeface="Arial"/>
+            </a:endParaRPr>
+          </a:p>
+          <a:p>
+            <a:pPr algn="ctr">
+              <a:lnSpc>
+                <a:spcPct val="100000"/>
+              </a:lnSpc>
+            </a:pPr>
+            <a:r>
+              <a:rPr b="0" lang="en-US" sz="1200" spc="-1" strike="noStrike">
+                <a:solidFill>
+                  <a:srgbClr val="000000"/>
+                </a:solidFill>
+                <a:latin typeface="Arial"/>
+                <a:ea typeface="DejaVu Sans"/>
+              </a:rPr>
+              <a:t>Dataset</a:t>
+            </a:r>
+            <a:endParaRPr b="0" lang="en-US" sz="1200" spc="-1" strike="noStrike">
+              <a:solidFill>
+                <a:srgbClr val="000000"/>
+              </a:solidFill>
+              <a:latin typeface="Arial"/>
+            </a:endParaRPr>
+          </a:p>
+          <a:p>
+            <a:pPr algn="ctr">
+              <a:lnSpc>
+                <a:spcPct val="100000"/>
+              </a:lnSpc>
+            </a:pPr>
+            <a:endParaRPr b="0" lang="en-US" sz="1400" spc="-1" strike="noStrike">
+              <a:solidFill>
+                <a:srgbClr val="000000"/>
+              </a:solidFill>
+              <a:latin typeface="Arial"/>
+            </a:endParaRPr>
+          </a:p>
+        </p:txBody>
+      </p:sp>
+      <p:sp>
+        <p:nvSpPr>
+          <p:cNvPr id="87" name=""/>
+          <p:cNvSpPr/>
+          <p:nvPr/>
+        </p:nvSpPr>
+        <p:spPr>
+          <a:xfrm>
+            <a:off x="5607000" y="-39960"/>
+            <a:ext cx="2056680" cy="689040"/>
+          </a:xfrm>
+          <a:prstGeom prst="rect">
+            <a:avLst/>
+          </a:prstGeom>
+          <a:noFill/>
+          <a:ln w="0">
+            <a:noFill/>
+          </a:ln>
+        </p:spPr>
+        <p:style>
+          <a:lnRef idx="0"/>
+          <a:fillRef idx="0"/>
+          <a:effectRef idx="0"/>
+          <a:fontRef idx="minor"/>
+        </p:style>
+        <p:txBody>
+          <a:bodyPr lIns="90000" rIns="90000" tIns="45000" bIns="45000" anchor="t">
+            <a:noAutofit/>
+          </a:bodyPr>
+          <a:p>
+            <a:pPr algn="ctr">
+              <a:lnSpc>
+                <a:spcPct val="100000"/>
+              </a:lnSpc>
+            </a:pPr>
+            <a:endParaRPr b="0" lang="en-US" sz="1400" spc="-1" strike="noStrike">
+              <a:solidFill>
+                <a:srgbClr val="000000"/>
+              </a:solidFill>
+              <a:latin typeface="Arial"/>
+            </a:endParaRPr>
+          </a:p>
+          <a:p>
+            <a:pPr algn="ctr">
+              <a:lnSpc>
+                <a:spcPct val="100000"/>
+              </a:lnSpc>
+            </a:pPr>
+            <a:r>
+              <a:rPr b="0" lang="en-US" sz="1200" spc="-1" strike="noStrike">
+                <a:solidFill>
+                  <a:srgbClr val="000000"/>
+                </a:solidFill>
+                <a:latin typeface="Arial"/>
+                <a:ea typeface="DejaVu Sans"/>
+              </a:rPr>
+              <a:t>[Cluster of Words] </a:t>
+            </a:r>
+            <a:endParaRPr b="0" lang="en-US" sz="1200" spc="-1" strike="noStrike">
+              <a:solidFill>
+                <a:srgbClr val="000000"/>
+              </a:solidFill>
+              <a:latin typeface="Arial"/>
+            </a:endParaRPr>
+          </a:p>
+          <a:p>
+            <a:pPr algn="ctr">
+              <a:lnSpc>
+                <a:spcPct val="100000"/>
+              </a:lnSpc>
+            </a:pPr>
+            <a:endParaRPr b="0" lang="en-US" sz="1400" spc="-1" strike="noStrike">
+              <a:solidFill>
+                <a:srgbClr val="000000"/>
+              </a:solidFill>
+              <a:latin typeface="Arial"/>
+            </a:endParaRPr>
+          </a:p>
+        </p:txBody>
+      </p:sp>
+      <p:sp>
+        <p:nvSpPr>
+          <p:cNvPr id="88" name=""/>
+          <p:cNvSpPr/>
+          <p:nvPr/>
+        </p:nvSpPr>
+        <p:spPr>
+          <a:xfrm>
+            <a:off x="7854480" y="94680"/>
+            <a:ext cx="1998000" cy="289800"/>
+          </a:xfrm>
+          <a:prstGeom prst="rect">
+            <a:avLst/>
+          </a:prstGeom>
+          <a:noFill/>
+          <a:ln w="0">
+            <a:noFill/>
+          </a:ln>
+        </p:spPr>
+        <p:style>
+          <a:lnRef idx="0"/>
+          <a:fillRef idx="0"/>
+          <a:effectRef idx="0"/>
+          <a:fontRef idx="minor"/>
+        </p:style>
+        <p:txBody>
+          <a:bodyPr lIns="90000" rIns="90000" tIns="45000" bIns="45000" anchor="t">
+            <a:noAutofit/>
+          </a:bodyPr>
+          <a:p>
+            <a:pPr>
+              <a:lnSpc>
+                <a:spcPct val="100000"/>
+              </a:lnSpc>
+            </a:pPr>
+            <a:r>
+              <a:rPr b="0" lang="en-US" sz="1200" spc="-1" strike="noStrike">
+                <a:solidFill>
+                  <a:srgbClr val="000000"/>
+                </a:solidFill>
+                <a:latin typeface="Arial"/>
+                <a:ea typeface="DejaVu Sans"/>
+              </a:rPr>
+              <a:t>[Cluster of Documents]</a:t>
+            </a:r>
+            <a:endParaRPr b="0" lang="en-US" sz="1200" spc="-1" strike="noStrike">
+              <a:solidFill>
+                <a:srgbClr val="000000"/>
+              </a:solidFill>
+              <a:latin typeface="Arial"/>
+            </a:endParaRPr>
+          </a:p>
+        </p:txBody>
+      </p:sp>
+      <p:pic>
+        <p:nvPicPr>
+          <p:cNvPr id="89" name="" descr=""/>
+          <p:cNvPicPr/>
+          <p:nvPr/>
+        </p:nvPicPr>
+        <p:blipFill>
+          <a:blip r:embed="rId11"/>
+          <a:stretch/>
+        </p:blipFill>
+        <p:spPr>
+          <a:xfrm>
+            <a:off x="8001000" y="685800"/>
+            <a:ext cx="456480" cy="456480"/>
+          </a:xfrm>
+          <a:prstGeom prst="rect">
+            <a:avLst/>
+          </a:prstGeom>
+          <a:ln w="0">
+            <a:noFill/>
+          </a:ln>
+        </p:spPr>
+      </p:pic>
+      <p:pic>
+        <p:nvPicPr>
+          <p:cNvPr id="90" name="" descr=""/>
+          <p:cNvPicPr/>
+          <p:nvPr/>
+        </p:nvPicPr>
+        <p:blipFill>
+          <a:blip r:embed="rId12"/>
+          <a:stretch/>
+        </p:blipFill>
+        <p:spPr>
+          <a:xfrm>
+            <a:off x="8229600" y="541800"/>
+            <a:ext cx="456480" cy="456480"/>
+          </a:xfrm>
+          <a:prstGeom prst="rect">
+            <a:avLst/>
+          </a:prstGeom>
+          <a:ln w="0">
+            <a:noFill/>
+          </a:ln>
+        </p:spPr>
+      </p:pic>
+      <p:pic>
+        <p:nvPicPr>
+          <p:cNvPr id="91" name="" descr=""/>
+          <p:cNvPicPr/>
+          <p:nvPr/>
+        </p:nvPicPr>
+        <p:blipFill>
+          <a:blip r:embed="rId13"/>
+          <a:stretch/>
+        </p:blipFill>
+        <p:spPr>
+          <a:xfrm>
+            <a:off x="8229600" y="914400"/>
+            <a:ext cx="456480" cy="456480"/>
+          </a:xfrm>
+          <a:prstGeom prst="rect">
+            <a:avLst/>
+          </a:prstGeom>
+          <a:ln w="0">
+            <a:noFill/>
+          </a:ln>
+        </p:spPr>
+      </p:pic>
+      <p:pic>
+        <p:nvPicPr>
+          <p:cNvPr id="92" name="" descr=""/>
+          <p:cNvPicPr/>
+          <p:nvPr/>
+        </p:nvPicPr>
+        <p:blipFill>
+          <a:blip r:embed="rId14"/>
+          <a:stretch/>
+        </p:blipFill>
+        <p:spPr>
+          <a:xfrm>
+            <a:off x="8458200" y="457200"/>
+            <a:ext cx="456480" cy="456480"/>
+          </a:xfrm>
+          <a:prstGeom prst="rect">
+            <a:avLst/>
+          </a:prstGeom>
+          <a:ln w="0">
+            <a:noFill/>
+          </a:ln>
+        </p:spPr>
+      </p:pic>
+      <p:pic>
+        <p:nvPicPr>
+          <p:cNvPr id="93" name="" descr=""/>
+          <p:cNvPicPr/>
+          <p:nvPr/>
+        </p:nvPicPr>
+        <p:blipFill>
+          <a:blip r:embed="rId15"/>
+          <a:stretch/>
+        </p:blipFill>
+        <p:spPr>
+          <a:xfrm>
+            <a:off x="8458200" y="914400"/>
+            <a:ext cx="456480" cy="456480"/>
+          </a:xfrm>
+          <a:prstGeom prst="rect">
+            <a:avLst/>
+          </a:prstGeom>
+          <a:ln w="0">
+            <a:noFill/>
+          </a:ln>
+        </p:spPr>
+      </p:pic>
+      <p:pic>
+        <p:nvPicPr>
+          <p:cNvPr id="94" name="" descr=""/>
+          <p:cNvPicPr/>
+          <p:nvPr/>
+        </p:nvPicPr>
+        <p:blipFill>
+          <a:blip r:embed="rId16"/>
+          <a:stretch/>
+        </p:blipFill>
+        <p:spPr>
+          <a:xfrm>
+            <a:off x="8686800" y="685800"/>
+            <a:ext cx="456480" cy="456480"/>
+          </a:xfrm>
+          <a:prstGeom prst="rect">
+            <a:avLst/>
+          </a:prstGeom>
+          <a:ln w="0">
+            <a:noFill/>
+          </a:ln>
+        </p:spPr>
+      </p:pic>
+      <p:pic>
+        <p:nvPicPr>
+          <p:cNvPr id="95" name="" descr=""/>
+          <p:cNvPicPr/>
+          <p:nvPr/>
+        </p:nvPicPr>
+        <p:blipFill>
+          <a:blip r:embed="rId17"/>
+          <a:stretch/>
+        </p:blipFill>
+        <p:spPr>
+          <a:xfrm>
+            <a:off x="8686800" y="1672200"/>
+            <a:ext cx="456480" cy="456480"/>
+          </a:xfrm>
+          <a:prstGeom prst="rect">
+            <a:avLst/>
+          </a:prstGeom>
+          <a:ln w="0">
+            <a:noFill/>
+          </a:ln>
+        </p:spPr>
+      </p:pic>
+      <p:pic>
+        <p:nvPicPr>
+          <p:cNvPr id="96" name="" descr=""/>
+          <p:cNvPicPr/>
+          <p:nvPr/>
+        </p:nvPicPr>
+        <p:blipFill>
+          <a:blip r:embed="rId18"/>
+          <a:stretch/>
+        </p:blipFill>
+        <p:spPr>
+          <a:xfrm>
+            <a:off x="8458200" y="1816200"/>
+            <a:ext cx="456480" cy="456480"/>
+          </a:xfrm>
+          <a:prstGeom prst="rect">
+            <a:avLst/>
+          </a:prstGeom>
+          <a:ln w="0">
+            <a:noFill/>
+          </a:ln>
+        </p:spPr>
+      </p:pic>
+      <p:pic>
+        <p:nvPicPr>
+          <p:cNvPr id="97" name="" descr=""/>
+          <p:cNvPicPr/>
+          <p:nvPr/>
+        </p:nvPicPr>
+        <p:blipFill>
+          <a:blip r:embed="rId19"/>
+          <a:stretch/>
+        </p:blipFill>
+        <p:spPr>
+          <a:xfrm>
+            <a:off x="8915400" y="1816200"/>
+            <a:ext cx="456480" cy="456480"/>
+          </a:xfrm>
+          <a:prstGeom prst="rect">
+            <a:avLst/>
+          </a:prstGeom>
+          <a:ln w="0">
+            <a:noFill/>
+          </a:ln>
+        </p:spPr>
+      </p:pic>
+      <p:sp>
+        <p:nvSpPr>
+          <p:cNvPr id="98" name=""/>
+          <p:cNvSpPr/>
+          <p:nvPr/>
+        </p:nvSpPr>
+        <p:spPr>
+          <a:xfrm>
+            <a:off x="7929000" y="385200"/>
+            <a:ext cx="1443240" cy="1178280"/>
+          </a:xfrm>
+          <a:prstGeom prst="ellipse">
+            <a:avLst/>
+          </a:prstGeom>
+          <a:noFill/>
+          <a:ln w="0">
+            <a:solidFill>
+              <a:srgbClr val="000000"/>
+            </a:solidFill>
+            <a:prstDash val="dash"/>
+          </a:ln>
+        </p:spPr>
+        <p:style>
+          <a:lnRef idx="0"/>
+          <a:fillRef idx="0"/>
+          <a:effectRef idx="0"/>
+          <a:fontRef idx="minor"/>
+        </p:style>
+        <p:txBody>
+          <a:bodyPr lIns="90000" rIns="90000" tIns="45000" bIns="45000" anchor="ctr">
+            <a:noAutofit/>
+          </a:bodyPr>
+          <a:p>
+            <a:pPr>
+              <a:lnSpc>
+                <a:spcPct val="100000"/>
+              </a:lnSpc>
+            </a:pPr>
+            <a:endParaRPr b="0" lang="en-US" sz="1800" spc="-1" strike="noStrike">
+              <a:solidFill>
+                <a:srgbClr val="000000"/>
+              </a:solidFill>
+              <a:latin typeface="Arial"/>
+              <a:ea typeface="DejaVu Sans"/>
+            </a:endParaRPr>
+          </a:p>
+        </p:txBody>
+      </p:sp>
+      <p:sp>
+        <p:nvSpPr>
+          <p:cNvPr id="99" name=""/>
+          <p:cNvSpPr/>
+          <p:nvPr/>
+        </p:nvSpPr>
+        <p:spPr>
+          <a:xfrm>
+            <a:off x="8350200" y="1564200"/>
+            <a:ext cx="1250640" cy="913680"/>
+          </a:xfrm>
+          <a:prstGeom prst="ellipse">
+            <a:avLst/>
+          </a:prstGeom>
+          <a:noFill/>
+          <a:ln w="0">
+            <a:solidFill>
+              <a:srgbClr val="000000"/>
+            </a:solidFill>
+            <a:prstDash val="dash"/>
+          </a:ln>
+        </p:spPr>
+        <p:style>
+          <a:lnRef idx="0"/>
+          <a:fillRef idx="0"/>
+          <a:effectRef idx="0"/>
+          <a:fontRef idx="minor"/>
+        </p:style>
+        <p:txBody>
+          <a:bodyPr lIns="90000" rIns="90000" tIns="45000" bIns="45000" anchor="ctr">
+            <a:noAutofit/>
+          </a:bodyPr>
+          <a:p>
+            <a:pPr>
+              <a:lnSpc>
+                <a:spcPct val="100000"/>
+              </a:lnSpc>
+            </a:pPr>
+            <a:endParaRPr b="0" lang="en-US" sz="1800" spc="-1" strike="noStrike">
+              <a:solidFill>
+                <a:srgbClr val="000000"/>
+              </a:solidFill>
+              <a:latin typeface="Arial"/>
+              <a:ea typeface="DejaVu Sans"/>
+            </a:endParaRPr>
+          </a:p>
+        </p:txBody>
+      </p:sp>
+      <p:sp>
+        <p:nvSpPr>
+          <p:cNvPr id="100" name=""/>
+          <p:cNvSpPr/>
+          <p:nvPr/>
+        </p:nvSpPr>
+        <p:spPr>
+          <a:xfrm>
+            <a:off x="8868600" y="1130400"/>
+            <a:ext cx="523080" cy="503280"/>
+          </a:xfrm>
+          <a:prstGeom prst="rect">
+            <a:avLst/>
+          </a:prstGeom>
+          <a:noFill/>
+          <a:ln w="0">
+            <a:noFill/>
+          </a:ln>
+        </p:spPr>
+        <p:style>
+          <a:lnRef idx="0"/>
+          <a:fillRef idx="0"/>
+          <a:effectRef idx="0"/>
+          <a:fontRef idx="minor"/>
+        </p:style>
+        <p:txBody>
+          <a:bodyPr lIns="90000" rIns="90000" tIns="45000" bIns="45000" anchor="t">
+            <a:noAutofit/>
+          </a:bodyPr>
+          <a:p>
+            <a:pPr>
+              <a:lnSpc>
+                <a:spcPct val="100000"/>
+              </a:lnSpc>
+            </a:pPr>
+            <a:r>
+              <a:rPr b="0" lang="en-US" sz="1200" spc="-1" strike="noStrike">
+                <a:solidFill>
+                  <a:srgbClr val="000000"/>
+                </a:solidFill>
+                <a:latin typeface="Arial"/>
+                <a:ea typeface="DejaVu Sans"/>
+              </a:rPr>
+              <a:t>K1</a:t>
+            </a:r>
+            <a:endParaRPr b="0" lang="en-US" sz="1200" spc="-1" strike="noStrike">
+              <a:solidFill>
+                <a:srgbClr val="000000"/>
+              </a:solidFill>
+              <a:latin typeface="Arial"/>
+            </a:endParaRPr>
+          </a:p>
+        </p:txBody>
+      </p:sp>
+      <p:sp>
+        <p:nvSpPr>
+          <p:cNvPr id="101" name=""/>
+          <p:cNvSpPr/>
+          <p:nvPr/>
+        </p:nvSpPr>
+        <p:spPr>
+          <a:xfrm>
+            <a:off x="9264600" y="1901880"/>
+            <a:ext cx="523080" cy="289440"/>
+          </a:xfrm>
+          <a:prstGeom prst="rect">
+            <a:avLst/>
+          </a:prstGeom>
+          <a:noFill/>
+          <a:ln w="0">
+            <a:noFill/>
+          </a:ln>
+        </p:spPr>
+        <p:style>
+          <a:lnRef idx="0"/>
+          <a:fillRef idx="0"/>
+          <a:effectRef idx="0"/>
+          <a:fontRef idx="minor"/>
+        </p:style>
+        <p:txBody>
+          <a:bodyPr lIns="90000" rIns="90000" tIns="45000" bIns="45000" anchor="t">
+            <a:noAutofit/>
+          </a:bodyPr>
+          <a:p>
+            <a:pPr>
+              <a:lnSpc>
+                <a:spcPct val="100000"/>
+              </a:lnSpc>
+            </a:pPr>
+            <a:r>
+              <a:rPr b="0" lang="en-US" sz="1200" spc="-1" strike="noStrike">
+                <a:solidFill>
+                  <a:srgbClr val="000000"/>
+                </a:solidFill>
+                <a:latin typeface="Arial"/>
+                <a:ea typeface="DejaVu Sans"/>
+              </a:rPr>
+              <a:t>K2</a:t>
+            </a:r>
+            <a:endParaRPr b="0" lang="en-US" sz="1200" spc="-1" strike="noStrike">
+              <a:solidFill>
+                <a:srgbClr val="000000"/>
+              </a:solidFill>
+              <a:latin typeface="Arial"/>
+            </a:endParaRPr>
+          </a:p>
+        </p:txBody>
+      </p:sp>
+      <p:pic>
+        <p:nvPicPr>
+          <p:cNvPr id="102" name="" descr=""/>
+          <p:cNvPicPr/>
+          <p:nvPr/>
+        </p:nvPicPr>
+        <p:blipFill>
+          <a:blip r:embed="rId20"/>
+          <a:stretch/>
+        </p:blipFill>
+        <p:spPr>
+          <a:xfrm>
+            <a:off x="5943600" y="451080"/>
+            <a:ext cx="1148400" cy="1148400"/>
+          </a:xfrm>
+          <a:prstGeom prst="rect">
+            <a:avLst/>
+          </a:prstGeom>
+          <a:ln w="0">
+            <a:noFill/>
+          </a:ln>
+        </p:spPr>
+      </p:pic>
+      <p:sp>
+        <p:nvSpPr>
+          <p:cNvPr id="103" name=""/>
+          <p:cNvSpPr/>
+          <p:nvPr/>
+        </p:nvSpPr>
+        <p:spPr>
+          <a:xfrm>
+            <a:off x="7705800" y="1528200"/>
+            <a:ext cx="523080" cy="289440"/>
+          </a:xfrm>
+          <a:prstGeom prst="rect">
+            <a:avLst/>
+          </a:prstGeom>
+          <a:noFill/>
+          <a:ln w="0">
+            <a:noFill/>
+          </a:ln>
+        </p:spPr>
+        <p:style>
+          <a:lnRef idx="0"/>
+          <a:fillRef idx="0"/>
+          <a:effectRef idx="0"/>
+          <a:fontRef idx="minor"/>
+        </p:style>
+        <p:txBody>
+          <a:bodyPr lIns="90000" rIns="90000" tIns="45000" bIns="45000" anchor="t">
+            <a:noAutofit/>
+          </a:bodyPr>
+          <a:p>
+            <a:pPr>
+              <a:lnSpc>
+                <a:spcPct val="100000"/>
+              </a:lnSpc>
+            </a:pPr>
             <a:r>
               <a:rPr b="0" lang="en-US" sz="1400" spc="-1" strike="noStrike">
                 <a:solidFill>
                   <a:srgbClr val="000000"/>
                 </a:solidFill>
                 <a:latin typeface="Arial"/>
+                <a:ea typeface="DejaVu Sans"/>
               </a:rPr>
-              <a:t>Textbook</a:t>
+              <a:t>Kn</a:t>
             </a:r>
             <a:endParaRPr b="0" lang="en-US" sz="1400" spc="-1" strike="noStrike">
               <a:solidFill>
@@ -4967,45 +5919,18 @@
               <a:latin typeface="Arial"/>
             </a:endParaRPr>
           </a:p>
-          <a:p>
-            <a:pPr algn="ctr"/>
-            <a:r>
-              <a:rPr b="0" lang="en-US" sz="1400" spc="-1" strike="noStrike">
-                <a:solidFill>
-                  <a:srgbClr val="000000"/>
-                </a:solidFill>
-                <a:latin typeface="Arial"/>
-              </a:rPr>
-              <a:t>Dataset</a:t>
-            </a:r>
-            <a:endParaRPr b="0" lang="en-US" sz="1400" spc="-1" strike="noStrike">
-              <a:solidFill>
-                <a:srgbClr val="000000"/>
-              </a:solidFill>
-              <a:latin typeface="Arial"/>
-            </a:endParaRPr>
-          </a:p>
-          <a:p>
-            <a:pPr algn="ctr"/>
-            <a:endParaRPr b="0" lang="en-US" sz="1400" spc="-1" strike="noStrike">
-              <a:solidFill>
-                <a:srgbClr val="000000"/>
-              </a:solidFill>
-              <a:latin typeface="Arial"/>
-            </a:endParaRPr>
-          </a:p>
-        </p:txBody>
-      </p:sp>
-      <p:sp>
-        <p:nvSpPr>
-          <p:cNvPr id="87" name=""/>
-          <p:cNvSpPr txBox="1"/>
-          <p:nvPr/>
-        </p:nvSpPr>
-        <p:spPr>
-          <a:xfrm>
-            <a:off x="5751000" y="-3960"/>
-            <a:ext cx="2057400" cy="689760"/>
+        </p:txBody>
+      </p:sp>
+      <p:sp>
+        <p:nvSpPr>
+          <p:cNvPr id="104" name=""/>
+          <p:cNvSpPr/>
+          <p:nvPr/>
+        </p:nvSpPr>
+        <p:spPr>
+          <a:xfrm>
+            <a:off x="6070320" y="1596240"/>
+            <a:ext cx="1364760" cy="689040"/>
           </a:xfrm>
           <a:prstGeom prst="rect">
             <a:avLst/>
@@ -5013,322 +5938,6 @@
           <a:noFill/>
           <a:ln w="0">
             <a:noFill/>
-          </a:ln>
-        </p:spPr>
-        <p:txBody>
-          <a:bodyPr lIns="90000" rIns="90000" tIns="45000" bIns="45000" anchor="t">
-            <a:noAutofit/>
-          </a:bodyPr>
-          <a:p>
-            <a:pPr algn="ctr"/>
-            <a:endParaRPr b="0" lang="en-US" sz="1400" spc="-1" strike="noStrike">
-              <a:solidFill>
-                <a:srgbClr val="000000"/>
-              </a:solidFill>
-              <a:latin typeface="Arial"/>
-            </a:endParaRPr>
-          </a:p>
-          <a:p>
-            <a:pPr algn="ctr">
-              <a:lnSpc>
-                <a:spcPct val="100000"/>
-              </a:lnSpc>
-            </a:pPr>
-            <a:r>
-              <a:rPr b="0" lang="en-US" sz="1400" spc="-1" strike="noStrike">
-                <a:solidFill>
-                  <a:srgbClr val="000000"/>
-                </a:solidFill>
-                <a:latin typeface="Arial"/>
-              </a:rPr>
-              <a:t>[Cluster of Words] </a:t>
-            </a:r>
-            <a:endParaRPr b="0" lang="en-US" sz="1400" spc="-1" strike="noStrike">
-              <a:solidFill>
-                <a:srgbClr val="000000"/>
-              </a:solidFill>
-              <a:latin typeface="Arial"/>
-            </a:endParaRPr>
-          </a:p>
-          <a:p>
-            <a:pPr algn="ctr"/>
-            <a:endParaRPr b="0" lang="en-US" sz="1400" spc="-1" strike="noStrike">
-              <a:solidFill>
-                <a:srgbClr val="000000"/>
-              </a:solidFill>
-              <a:latin typeface="Arial"/>
-            </a:endParaRPr>
-          </a:p>
-        </p:txBody>
-      </p:sp>
-      <p:sp>
-        <p:nvSpPr>
-          <p:cNvPr id="88" name=""/>
-          <p:cNvSpPr txBox="1"/>
-          <p:nvPr/>
-        </p:nvSpPr>
-        <p:spPr>
-          <a:xfrm>
-            <a:off x="7710480" y="130680"/>
-            <a:ext cx="1998720" cy="290520"/>
-          </a:xfrm>
-          <a:prstGeom prst="rect">
-            <a:avLst/>
-          </a:prstGeom>
-          <a:noFill/>
-          <a:ln w="0">
-            <a:noFill/>
-          </a:ln>
-        </p:spPr>
-        <p:txBody>
-          <a:bodyPr lIns="90000" rIns="90000" tIns="45000" bIns="45000" anchor="t">
-            <a:noAutofit/>
-          </a:bodyPr>
-          <a:p>
-            <a:r>
-              <a:rPr b="0" lang="en-US" sz="1400" spc="-1" strike="noStrike">
-                <a:solidFill>
-                  <a:srgbClr val="000000"/>
-                </a:solidFill>
-                <a:latin typeface="Arial"/>
-              </a:rPr>
-              <a:t>[Cluster of Documents]</a:t>
-            </a:r>
-            <a:endParaRPr b="0" lang="en-US" sz="1400" spc="-1" strike="noStrike">
-              <a:solidFill>
-                <a:srgbClr val="000000"/>
-              </a:solidFill>
-              <a:latin typeface="Arial"/>
-            </a:endParaRPr>
-          </a:p>
-        </p:txBody>
-      </p:sp>
-      <p:pic>
-        <p:nvPicPr>
-          <p:cNvPr id="89" name="" descr=""/>
-          <p:cNvPicPr/>
-          <p:nvPr/>
-        </p:nvPicPr>
-        <p:blipFill>
-          <a:blip r:embed="rId11"/>
-          <a:stretch/>
-        </p:blipFill>
-        <p:spPr>
-          <a:xfrm>
-            <a:off x="8001000" y="685800"/>
-            <a:ext cx="457200" cy="457200"/>
-          </a:xfrm>
-          <a:prstGeom prst="rect">
-            <a:avLst/>
-          </a:prstGeom>
-          <a:ln w="0">
-            <a:noFill/>
-          </a:ln>
-        </p:spPr>
-      </p:pic>
-      <p:pic>
-        <p:nvPicPr>
-          <p:cNvPr id="90" name="" descr=""/>
-          <p:cNvPicPr/>
-          <p:nvPr/>
-        </p:nvPicPr>
-        <p:blipFill>
-          <a:blip r:embed="rId12"/>
-          <a:stretch/>
-        </p:blipFill>
-        <p:spPr>
-          <a:xfrm>
-            <a:off x="8229600" y="541800"/>
-            <a:ext cx="457200" cy="457200"/>
-          </a:xfrm>
-          <a:prstGeom prst="rect">
-            <a:avLst/>
-          </a:prstGeom>
-          <a:ln w="0">
-            <a:noFill/>
-          </a:ln>
-        </p:spPr>
-      </p:pic>
-      <p:pic>
-        <p:nvPicPr>
-          <p:cNvPr id="91" name="" descr=""/>
-          <p:cNvPicPr/>
-          <p:nvPr/>
-        </p:nvPicPr>
-        <p:blipFill>
-          <a:blip r:embed="rId13"/>
-          <a:stretch/>
-        </p:blipFill>
-        <p:spPr>
-          <a:xfrm>
-            <a:off x="8229600" y="914400"/>
-            <a:ext cx="457200" cy="457200"/>
-          </a:xfrm>
-          <a:prstGeom prst="rect">
-            <a:avLst/>
-          </a:prstGeom>
-          <a:ln w="0">
-            <a:noFill/>
-          </a:ln>
-        </p:spPr>
-      </p:pic>
-      <p:pic>
-        <p:nvPicPr>
-          <p:cNvPr id="92" name="" descr=""/>
-          <p:cNvPicPr/>
-          <p:nvPr/>
-        </p:nvPicPr>
-        <p:blipFill>
-          <a:blip r:embed="rId14"/>
-          <a:stretch/>
-        </p:blipFill>
-        <p:spPr>
-          <a:xfrm>
-            <a:off x="8458200" y="457200"/>
-            <a:ext cx="457200" cy="457200"/>
-          </a:xfrm>
-          <a:prstGeom prst="rect">
-            <a:avLst/>
-          </a:prstGeom>
-          <a:ln w="0">
-            <a:noFill/>
-          </a:ln>
-        </p:spPr>
-      </p:pic>
-      <p:pic>
-        <p:nvPicPr>
-          <p:cNvPr id="93" name="" descr=""/>
-          <p:cNvPicPr/>
-          <p:nvPr/>
-        </p:nvPicPr>
-        <p:blipFill>
-          <a:blip r:embed="rId15"/>
-          <a:stretch/>
-        </p:blipFill>
-        <p:spPr>
-          <a:xfrm>
-            <a:off x="8458200" y="914400"/>
-            <a:ext cx="457200" cy="457200"/>
-          </a:xfrm>
-          <a:prstGeom prst="rect">
-            <a:avLst/>
-          </a:prstGeom>
-          <a:ln w="0">
-            <a:noFill/>
-          </a:ln>
-        </p:spPr>
-      </p:pic>
-      <p:pic>
-        <p:nvPicPr>
-          <p:cNvPr id="94" name="" descr=""/>
-          <p:cNvPicPr/>
-          <p:nvPr/>
-        </p:nvPicPr>
-        <p:blipFill>
-          <a:blip r:embed="rId16"/>
-          <a:stretch/>
-        </p:blipFill>
-        <p:spPr>
-          <a:xfrm>
-            <a:off x="8686800" y="685800"/>
-            <a:ext cx="457200" cy="457200"/>
-          </a:xfrm>
-          <a:prstGeom prst="rect">
-            <a:avLst/>
-          </a:prstGeom>
-          <a:ln w="0">
-            <a:noFill/>
-          </a:ln>
-        </p:spPr>
-      </p:pic>
-      <p:pic>
-        <p:nvPicPr>
-          <p:cNvPr id="95" name="" descr=""/>
-          <p:cNvPicPr/>
-          <p:nvPr/>
-        </p:nvPicPr>
-        <p:blipFill>
-          <a:blip r:embed="rId17"/>
-          <a:stretch/>
-        </p:blipFill>
-        <p:spPr>
-          <a:xfrm>
-            <a:off x="8686800" y="1672200"/>
-            <a:ext cx="457200" cy="457200"/>
-          </a:xfrm>
-          <a:prstGeom prst="rect">
-            <a:avLst/>
-          </a:prstGeom>
-          <a:ln w="0">
-            <a:noFill/>
-          </a:ln>
-        </p:spPr>
-      </p:pic>
-      <p:pic>
-        <p:nvPicPr>
-          <p:cNvPr id="96" name="" descr=""/>
-          <p:cNvPicPr/>
-          <p:nvPr/>
-        </p:nvPicPr>
-        <p:blipFill>
-          <a:blip r:embed="rId18"/>
-          <a:stretch/>
-        </p:blipFill>
-        <p:spPr>
-          <a:xfrm>
-            <a:off x="8458200" y="1816200"/>
-            <a:ext cx="457200" cy="457200"/>
-          </a:xfrm>
-          <a:prstGeom prst="rect">
-            <a:avLst/>
-          </a:prstGeom>
-          <a:ln w="0">
-            <a:noFill/>
-          </a:ln>
-        </p:spPr>
-      </p:pic>
-      <p:pic>
-        <p:nvPicPr>
-          <p:cNvPr id="97" name="" descr=""/>
-          <p:cNvPicPr/>
-          <p:nvPr/>
-        </p:nvPicPr>
-        <p:blipFill>
-          <a:blip r:embed="rId19"/>
-          <a:stretch/>
-        </p:blipFill>
-        <p:spPr>
-          <a:xfrm>
-            <a:off x="8915400" y="1816200"/>
-            <a:ext cx="457200" cy="457200"/>
-          </a:xfrm>
-          <a:prstGeom prst="rect">
-            <a:avLst/>
-          </a:prstGeom>
-          <a:ln w="0">
-            <a:noFill/>
-          </a:ln>
-        </p:spPr>
-      </p:pic>
-      <p:sp>
-        <p:nvSpPr>
-          <p:cNvPr id="98" name=""/>
-          <p:cNvSpPr/>
-          <p:nvPr/>
-        </p:nvSpPr>
-        <p:spPr>
-          <a:xfrm>
-            <a:off x="7929000" y="349200"/>
-            <a:ext cx="1371600" cy="1179000"/>
-          </a:xfrm>
-          <a:prstGeom prst="ellipse">
-            <a:avLst/>
-          </a:prstGeom>
-          <a:noFill/>
-          <a:ln w="0">
-            <a:solidFill>
-              <a:srgbClr val="3465a4"/>
-            </a:solidFill>
           </a:ln>
         </p:spPr>
         <p:style>
@@ -5338,37 +5947,103 @@
           <a:fontRef idx="minor"/>
         </p:style>
         <p:txBody>
-          <a:bodyPr lIns="90000" rIns="90000" tIns="45000" bIns="45000" anchor="ctr">
+          <a:bodyPr lIns="90000" rIns="90000" tIns="45000" bIns="45000" anchor="t">
             <a:noAutofit/>
           </a:bodyPr>
           <a:p>
-            <a:endParaRPr b="0" lang="en-US" sz="1800" spc="-1" strike="noStrike">
-              <a:solidFill>
-                <a:srgbClr val="000000"/>
-              </a:solidFill>
-              <a:latin typeface="Arial"/>
-            </a:endParaRPr>
-          </a:p>
-        </p:txBody>
-      </p:sp>
-      <p:sp>
-        <p:nvSpPr>
-          <p:cNvPr id="99" name=""/>
+            <a:pPr>
+              <a:lnSpc>
+                <a:spcPct val="100000"/>
+              </a:lnSpc>
+            </a:pPr>
+            <a:r>
+              <a:rPr b="0" lang="en-US" sz="1200" spc="-1" strike="noStrike">
+                <a:solidFill>
+                  <a:srgbClr val="000000"/>
+                </a:solidFill>
+                <a:latin typeface="Arial"/>
+                <a:ea typeface="DejaVu Sans"/>
+              </a:rPr>
+              <a:t>W1..WN → K1</a:t>
+            </a:r>
+            <a:endParaRPr b="0" lang="en-US" sz="1200" spc="-1" strike="noStrike">
+              <a:solidFill>
+                <a:srgbClr val="000000"/>
+              </a:solidFill>
+              <a:latin typeface="Arial"/>
+            </a:endParaRPr>
+          </a:p>
+          <a:p>
+            <a:pPr>
+              <a:lnSpc>
+                <a:spcPct val="100000"/>
+              </a:lnSpc>
+            </a:pPr>
+            <a:r>
+              <a:rPr b="0" lang="en-US" sz="1200" spc="-1" strike="noStrike">
+                <a:solidFill>
+                  <a:srgbClr val="000000"/>
+                </a:solidFill>
+                <a:latin typeface="Arial"/>
+                <a:ea typeface="DejaVu Sans"/>
+              </a:rPr>
+              <a:t>W2…WN → K2</a:t>
+            </a:r>
+            <a:endParaRPr b="0" lang="en-US" sz="1200" spc="-1" strike="noStrike">
+              <a:solidFill>
+                <a:srgbClr val="000000"/>
+              </a:solidFill>
+              <a:latin typeface="Arial"/>
+            </a:endParaRPr>
+          </a:p>
+          <a:p>
+            <a:pPr>
+              <a:lnSpc>
+                <a:spcPct val="100000"/>
+              </a:lnSpc>
+            </a:pPr>
+            <a:r>
+              <a:rPr b="0" lang="en-US" sz="1200" spc="-1" strike="noStrike">
+                <a:solidFill>
+                  <a:srgbClr val="000000"/>
+                </a:solidFill>
+                <a:latin typeface="Arial"/>
+                <a:ea typeface="DejaVu Sans"/>
+              </a:rPr>
+              <a:t> </a:t>
+            </a:r>
+            <a:endParaRPr b="0" lang="en-US" sz="1200" spc="-1" strike="noStrike">
+              <a:solidFill>
+                <a:srgbClr val="000000"/>
+              </a:solidFill>
+              <a:latin typeface="Arial"/>
+            </a:endParaRPr>
+          </a:p>
+        </p:txBody>
+      </p:sp>
+      <p:sp>
+        <p:nvSpPr>
+          <p:cNvPr id="105" name=""/>
           <p:cNvSpPr/>
           <p:nvPr/>
         </p:nvSpPr>
         <p:spPr>
           <a:xfrm>
-            <a:off x="8350200" y="1564200"/>
-            <a:ext cx="1179000" cy="914400"/>
-          </a:xfrm>
-          <a:prstGeom prst="ellipse">
-            <a:avLst/>
-          </a:prstGeom>
-          <a:noFill/>
+            <a:off x="5332680" y="685800"/>
+            <a:ext cx="273600" cy="822240"/>
+          </a:xfrm>
+          <a:prstGeom prst="rightArrow">
+            <a:avLst>
+              <a:gd name="adj1" fmla="val 36941"/>
+              <a:gd name="adj2" fmla="val 57640"/>
+            </a:avLst>
+          </a:prstGeom>
+          <a:solidFill>
+            <a:srgbClr val="cccccc"/>
+          </a:solidFill>
           <a:ln w="0">
             <a:solidFill>
-              <a:srgbClr val="3465a4"/>
+              <a:srgbClr val="111111"/>
             </a:solidFill>
           </a:ln>
         </p:spPr>
@@ -5383,278 +6058,17 @@
             <a:noAutofit/>
           </a:bodyPr>
           <a:p>
+            <a:pPr>
+              <a:lnSpc>
+                <a:spcPct val="100000"/>
+              </a:lnSpc>
+            </a:pPr>
             <a:endParaRPr b="0" lang="en-US" sz="1800" spc="-1" strike="noStrike">
               <a:solidFill>
                 <a:srgbClr val="000000"/>
               </a:solidFill>
               <a:latin typeface="Arial"/>
-            </a:endParaRPr>
-          </a:p>
-        </p:txBody>
-      </p:sp>
-      <p:sp>
-        <p:nvSpPr>
-          <p:cNvPr id="100" name=""/>
-          <p:cNvSpPr txBox="1"/>
-          <p:nvPr/>
-        </p:nvSpPr>
-        <p:spPr>
-          <a:xfrm>
-            <a:off x="9264600" y="624240"/>
-            <a:ext cx="523800" cy="290160"/>
-          </a:xfrm>
-          <a:prstGeom prst="rect">
-            <a:avLst/>
-          </a:prstGeom>
-          <a:noFill/>
-          <a:ln w="0">
-            <a:noFill/>
-          </a:ln>
-        </p:spPr>
-        <p:txBody>
-          <a:bodyPr lIns="90000" rIns="90000" tIns="45000" bIns="45000" anchor="t">
-            <a:noAutofit/>
-          </a:bodyPr>
-          <a:p>
-            <a:r>
-              <a:rPr b="0" lang="en-US" sz="1400" spc="-1" strike="noStrike">
-                <a:solidFill>
-                  <a:srgbClr val="000000"/>
-                </a:solidFill>
-                <a:latin typeface="Arial"/>
-              </a:rPr>
-              <a:t>K1</a:t>
-            </a:r>
-            <a:endParaRPr b="0" lang="en-US" sz="1400" spc="-1" strike="noStrike">
-              <a:solidFill>
-                <a:srgbClr val="000000"/>
-              </a:solidFill>
-              <a:latin typeface="Arial"/>
-            </a:endParaRPr>
-          </a:p>
-        </p:txBody>
-      </p:sp>
-      <p:sp>
-        <p:nvSpPr>
-          <p:cNvPr id="101" name=""/>
-          <p:cNvSpPr txBox="1"/>
-          <p:nvPr/>
-        </p:nvSpPr>
-        <p:spPr>
-          <a:xfrm>
-            <a:off x="9372600" y="1469880"/>
-            <a:ext cx="523800" cy="290160"/>
-          </a:xfrm>
-          <a:prstGeom prst="rect">
-            <a:avLst/>
-          </a:prstGeom>
-          <a:noFill/>
-          <a:ln w="0">
-            <a:noFill/>
-          </a:ln>
-        </p:spPr>
-        <p:txBody>
-          <a:bodyPr lIns="90000" rIns="90000" tIns="45000" bIns="45000" anchor="t">
-            <a:noAutofit/>
-          </a:bodyPr>
-          <a:p>
-            <a:r>
-              <a:rPr b="0" lang="en-US" sz="1400" spc="-1" strike="noStrike">
-                <a:solidFill>
-                  <a:srgbClr val="000000"/>
-                </a:solidFill>
-                <a:latin typeface="Arial"/>
-              </a:rPr>
-              <a:t>K2</a:t>
-            </a:r>
-            <a:endParaRPr b="0" lang="en-US" sz="1400" spc="-1" strike="noStrike">
-              <a:solidFill>
-                <a:srgbClr val="000000"/>
-              </a:solidFill>
-              <a:latin typeface="Arial"/>
-            </a:endParaRPr>
-          </a:p>
-        </p:txBody>
-      </p:sp>
-      <p:sp>
-        <p:nvSpPr>
-          <p:cNvPr id="102" name=""/>
-          <p:cNvSpPr txBox="1"/>
-          <p:nvPr/>
-        </p:nvSpPr>
-        <p:spPr>
-          <a:xfrm>
-            <a:off x="685800" y="2368080"/>
-            <a:ext cx="1360440" cy="346320"/>
-          </a:xfrm>
-          <a:prstGeom prst="rect">
-            <a:avLst/>
-          </a:prstGeom>
-          <a:noFill/>
-          <a:ln w="0">
-            <a:noFill/>
-          </a:ln>
-        </p:spPr>
-        <p:txBody>
-          <a:bodyPr lIns="90000" rIns="90000" tIns="45000" bIns="45000" anchor="t">
-            <a:noAutofit/>
-          </a:bodyPr>
-          <a:p>
-            <a:r>
-              <a:rPr b="0" lang="en-US" sz="1800" spc="-1" strike="noStrike">
-                <a:solidFill>
-                  <a:srgbClr val="000000"/>
-                </a:solidFill>
-                <a:latin typeface="Arial"/>
-              </a:rPr>
-              <a:t>LDA Model </a:t>
-            </a:r>
-            <a:endParaRPr b="0" lang="en-US" sz="1800" spc="-1" strike="noStrike">
-              <a:solidFill>
-                <a:srgbClr val="000000"/>
-              </a:solidFill>
-              <a:latin typeface="Arial"/>
-            </a:endParaRPr>
-          </a:p>
-        </p:txBody>
-      </p:sp>
-      <p:pic>
-        <p:nvPicPr>
-          <p:cNvPr id="103" name="" descr=""/>
-          <p:cNvPicPr/>
-          <p:nvPr/>
-        </p:nvPicPr>
-        <p:blipFill>
-          <a:blip r:embed="rId20"/>
-          <a:stretch/>
-        </p:blipFill>
-        <p:spPr>
-          <a:xfrm>
-            <a:off x="5943600" y="451080"/>
-            <a:ext cx="1149120" cy="1149120"/>
-          </a:xfrm>
-          <a:prstGeom prst="rect">
-            <a:avLst/>
-          </a:prstGeom>
-          <a:ln w="0">
-            <a:noFill/>
-          </a:ln>
-        </p:spPr>
-      </p:pic>
-      <p:sp>
-        <p:nvSpPr>
-          <p:cNvPr id="104" name=""/>
-          <p:cNvSpPr txBox="1"/>
-          <p:nvPr/>
-        </p:nvSpPr>
-        <p:spPr>
-          <a:xfrm>
-            <a:off x="7705800" y="1528200"/>
-            <a:ext cx="523800" cy="290160"/>
-          </a:xfrm>
-          <a:prstGeom prst="rect">
-            <a:avLst/>
-          </a:prstGeom>
-          <a:noFill/>
-          <a:ln w="0">
-            <a:noFill/>
-          </a:ln>
-        </p:spPr>
-        <p:txBody>
-          <a:bodyPr lIns="90000" rIns="90000" tIns="45000" bIns="45000" anchor="t">
-            <a:noAutofit/>
-          </a:bodyPr>
-          <a:p>
-            <a:r>
-              <a:rPr b="0" lang="en-US" sz="1400" spc="-1" strike="noStrike">
-                <a:solidFill>
-                  <a:srgbClr val="000000"/>
-                </a:solidFill>
-                <a:latin typeface="Arial"/>
-              </a:rPr>
-              <a:t>Kn</a:t>
-            </a:r>
-            <a:endParaRPr b="0" lang="en-US" sz="1400" spc="-1" strike="noStrike">
-              <a:solidFill>
-                <a:srgbClr val="000000"/>
-              </a:solidFill>
-              <a:latin typeface="Arial"/>
-            </a:endParaRPr>
-          </a:p>
-        </p:txBody>
-      </p:sp>
-      <p:sp>
-        <p:nvSpPr>
-          <p:cNvPr id="105" name=""/>
-          <p:cNvSpPr txBox="1"/>
-          <p:nvPr/>
-        </p:nvSpPr>
-        <p:spPr>
-          <a:xfrm>
-            <a:off x="6070320" y="1596240"/>
-            <a:ext cx="1365480" cy="689760"/>
-          </a:xfrm>
-          <a:prstGeom prst="rect">
-            <a:avLst/>
-          </a:prstGeom>
-          <a:noFill/>
-          <a:ln w="0">
-            <a:noFill/>
-          </a:ln>
-        </p:spPr>
-        <p:txBody>
-          <a:bodyPr lIns="90000" rIns="90000" tIns="45000" bIns="45000" anchor="t">
-            <a:noAutofit/>
-          </a:bodyPr>
-          <a:p>
-            <a:r>
-              <a:rPr b="0" lang="en-US" sz="1400" spc="-1" strike="noStrike">
-                <a:solidFill>
-                  <a:srgbClr val="000000"/>
-                </a:solidFill>
-                <a:latin typeface="Arial"/>
-              </a:rPr>
-              <a:t>W1..N → k1</a:t>
-            </a:r>
-            <a:endParaRPr b="0" lang="en-US" sz="1400" spc="-1" strike="noStrike">
-              <a:solidFill>
-                <a:srgbClr val="000000"/>
-              </a:solidFill>
-              <a:latin typeface="Arial"/>
-            </a:endParaRPr>
-          </a:p>
-          <a:p>
-            <a:r>
-              <a:rPr b="0" lang="en-US" sz="1400" spc="-1" strike="noStrike">
-                <a:solidFill>
-                  <a:srgbClr val="000000"/>
-                </a:solidFill>
-                <a:latin typeface="Arial"/>
-              </a:rPr>
-              <a:t>W2…N → k2</a:t>
-            </a:r>
-            <a:endParaRPr b="0" lang="en-US" sz="1400" spc="-1" strike="noStrike">
-              <a:solidFill>
-                <a:srgbClr val="000000"/>
-              </a:solidFill>
-              <a:latin typeface="Arial"/>
-            </a:endParaRPr>
-          </a:p>
-          <a:p>
-            <a:r>
-              <a:rPr b="0" lang="en-US" sz="1400" spc="-1" strike="noStrike">
-                <a:solidFill>
-                  <a:srgbClr val="000000"/>
-                </a:solidFill>
-                <a:latin typeface="Arial"/>
-              </a:rPr>
-              <a:t> </a:t>
-            </a:r>
-            <a:endParaRPr b="0" lang="en-US" sz="1400" spc="-1" strike="noStrike">
-              <a:solidFill>
-                <a:srgbClr val="000000"/>
-              </a:solidFill>
-              <a:latin typeface="Arial"/>
+              <a:ea typeface="DejaVu Sans"/>
             </a:endParaRPr>
           </a:p>
         </p:txBody>
@@ -5667,8 +6081,8 @@
         </p:nvSpPr>
         <p:spPr>
           <a:xfrm>
-            <a:off x="5332680" y="685800"/>
-            <a:ext cx="274320" cy="822960"/>
+            <a:off x="3429000" y="685800"/>
+            <a:ext cx="273600" cy="822240"/>
           </a:xfrm>
           <a:prstGeom prst="rightArrow">
             <a:avLst>
@@ -5677,11 +6091,11 @@
             </a:avLst>
           </a:prstGeom>
           <a:solidFill>
-            <a:srgbClr val="999999"/>
+            <a:srgbClr val="cccccc"/>
           </a:solidFill>
           <a:ln w="0">
             <a:solidFill>
-              <a:srgbClr val="111111"/>
+              <a:srgbClr val="000000"/>
             </a:solidFill>
           </a:ln>
         </p:spPr>
@@ -5696,11 +6110,17 @@
             <a:noAutofit/>
           </a:bodyPr>
           <a:p>
+            <a:pPr>
+              <a:lnSpc>
+                <a:spcPct val="100000"/>
+              </a:lnSpc>
+            </a:pPr>
             <a:endParaRPr b="0" lang="en-US" sz="1800" spc="-1" strike="noStrike">
               <a:solidFill>
                 <a:srgbClr val="000000"/>
               </a:solidFill>
               <a:latin typeface="Arial"/>
+              <a:ea typeface="DejaVu Sans"/>
             </a:endParaRPr>
           </a:p>
         </p:txBody>
@@ -5713,8 +6133,8 @@
         </p:nvSpPr>
         <p:spPr>
           <a:xfrm>
-            <a:off x="3429000" y="685800"/>
-            <a:ext cx="274320" cy="822960"/>
+            <a:off x="1747440" y="877680"/>
+            <a:ext cx="273960" cy="649440"/>
           </a:xfrm>
           <a:prstGeom prst="rightArrow">
             <a:avLst>
@@ -5723,7 +6143,7 @@
             </a:avLst>
           </a:prstGeom>
           <a:solidFill>
-            <a:srgbClr val="999999"/>
+            <a:srgbClr val="cccccc"/>
           </a:solidFill>
           <a:ln w="0">
             <a:solidFill>
@@ -5742,11 +6162,17 @@
             <a:noAutofit/>
           </a:bodyPr>
           <a:p>
+            <a:pPr>
+              <a:lnSpc>
+                <a:spcPct val="100000"/>
+              </a:lnSpc>
+            </a:pPr>
             <a:endParaRPr b="0" lang="en-US" sz="1800" spc="-1" strike="noStrike">
               <a:solidFill>
                 <a:srgbClr val="000000"/>
               </a:solidFill>
               <a:latin typeface="Arial"/>
+              <a:ea typeface="DejaVu Sans"/>
             </a:endParaRPr>
           </a:p>
         </p:txBody>
@@ -5758,22 +6184,22 @@
           <p:nvPr/>
         </p:nvSpPr>
         <p:spPr>
-          <a:xfrm rot="10804800">
-            <a:off x="3993840" y="2188080"/>
-            <a:ext cx="1215360" cy="457200"/>
-          </a:xfrm>
-          <a:prstGeom prst="downArrow">
+          <a:xfrm>
+            <a:off x="4138200" y="2129400"/>
+            <a:ext cx="842040" cy="456840"/>
+          </a:xfrm>
+          <a:prstGeom prst="upArrow">
             <a:avLst>
-              <a:gd name="adj1" fmla="val 42621"/>
-              <a:gd name="adj2" fmla="val 52478"/>
+              <a:gd name="adj1" fmla="val 39418"/>
+              <a:gd name="adj2" fmla="val 48938"/>
             </a:avLst>
           </a:prstGeom>
           <a:solidFill>
-            <a:srgbClr val="dddddd"/>
+            <a:srgbClr val="cccccc"/>
           </a:solidFill>
           <a:ln w="0">
             <a:solidFill>
-              <a:srgbClr val="1c1c1c"/>
+              <a:srgbClr val="254061"/>
             </a:solidFill>
           </a:ln>
         </p:spPr>
@@ -5788,11 +6214,17 @@
             <a:noAutofit/>
           </a:bodyPr>
           <a:p>
+            <a:pPr>
+              <a:lnSpc>
+                <a:spcPct val="100000"/>
+              </a:lnSpc>
+            </a:pPr>
             <a:endParaRPr b="0" lang="en-US" sz="1800" spc="-1" strike="noStrike">
               <a:solidFill>
                 <a:srgbClr val="000000"/>
               </a:solidFill>
               <a:latin typeface="Arial"/>
+              <a:ea typeface="DejaVu Sans"/>
             </a:endParaRPr>
           </a:p>
         </p:txBody>
@@ -5805,22 +6237,18 @@
         </p:nvSpPr>
         <p:spPr>
           <a:xfrm>
-            <a:off x="1791720" y="1078920"/>
-            <a:ext cx="201240" cy="438840"/>
-          </a:xfrm>
-          <a:prstGeom prst="rightArrow">
-            <a:avLst>
-              <a:gd name="adj1" fmla="val 36941"/>
-              <a:gd name="adj2" fmla="val 57640"/>
-            </a:avLst>
-          </a:prstGeom>
-          <a:solidFill>
-            <a:srgbClr val="999999"/>
-          </a:solidFill>
+            <a:off x="7725600" y="1517400"/>
+            <a:ext cx="347040" cy="384480"/>
+          </a:xfrm>
+          <a:prstGeom prst="ellipse">
+            <a:avLst/>
+          </a:prstGeom>
+          <a:noFill/>
           <a:ln w="0">
             <a:solidFill>
               <a:srgbClr val="000000"/>
             </a:solidFill>
+            <a:prstDash val="dash"/>
           </a:ln>
         </p:spPr>
         <p:style>
@@ -5834,7 +6262,73 @@
             <a:noAutofit/>
           </a:bodyPr>
           <a:p>
+            <a:pPr>
+              <a:lnSpc>
+                <a:spcPct val="100000"/>
+              </a:lnSpc>
+            </a:pPr>
             <a:endParaRPr b="0" lang="en-US" sz="1800" spc="-1" strike="noStrike">
+              <a:solidFill>
+                <a:srgbClr val="000000"/>
+              </a:solidFill>
+              <a:latin typeface="Arial"/>
+              <a:ea typeface="DejaVu Sans"/>
+            </a:endParaRPr>
+          </a:p>
+        </p:txBody>
+      </p:sp>
+      <p:sp>
+        <p:nvSpPr>
+          <p:cNvPr id="110" name=""/>
+          <p:cNvSpPr/>
+          <p:nvPr/>
+        </p:nvSpPr>
+        <p:spPr>
+          <a:xfrm>
+            <a:off x="4006800" y="1263600"/>
+            <a:ext cx="986040" cy="456840"/>
+          </a:xfrm>
+          <a:prstGeom prst="rect">
+            <a:avLst/>
+          </a:prstGeom>
+          <a:solidFill>
+            <a:srgbClr val="e0c2cd"/>
+          </a:solidFill>
+          <a:ln w="12600">
+            <a:solidFill>
+              <a:srgbClr val="000000"/>
+            </a:solidFill>
+            <a:prstDash val="lgDash"/>
+            <a:round/>
+          </a:ln>
+        </p:spPr>
+        <p:style>
+          <a:lnRef idx="0"/>
+          <a:fillRef idx="0"/>
+          <a:effectRef idx="0"/>
+          <a:fontRef idx="minor"/>
+        </p:style>
+        <p:txBody>
+          <a:bodyPr lIns="96120" rIns="96120" tIns="51120" bIns="51120" anchor="ctr">
+            <a:noAutofit/>
+          </a:bodyPr>
+          <a:p>
+            <a:pPr algn="ctr">
+              <a:lnSpc>
+                <a:spcPct val="100000"/>
+              </a:lnSpc>
+            </a:pPr>
+            <a:r>
+              <a:rPr b="0" lang="en-US" sz="1400" spc="-1" strike="noStrike">
+                <a:solidFill>
+                  <a:srgbClr val="000000"/>
+                </a:solidFill>
+                <a:latin typeface="Verdana"/>
+                <a:ea typeface="DejaVu Sans"/>
+              </a:rPr>
+              <a:t>K Topics</a:t>
+            </a:r>
+            <a:endParaRPr b="0" lang="en-US" sz="1400" spc="-1" strike="noStrike">
               <a:solidFill>
                 <a:srgbClr val="000000"/>
               </a:solidFill>
@@ -5861,10 +6355,10 @@
   <a:themeElements>
     <a:clrScheme name="Office">
       <a:dk1>
-        <a:sysClr val="windowText" lastClr="000000"/>
+        <a:srgbClr val="000000"/>
       </a:dk1>
       <a:lt1>
-        <a:sysClr val="window" lastClr="FFFFFF"/>
+        <a:srgbClr val="ffffff"/>
       </a:lt1>
       <a:dk2>
         <a:srgbClr val="1f497d"/>
